--- a/제출 문서 모음/입사지원서(이력서+자소서)/게임기획_홍진선_입사지원서.pptx
+++ b/제출 문서 모음/입사지원서(이력서+자소서)/게임기획_홍진선_입사지원서.pptx
@@ -5,18 +5,17 @@
     <p:sldMasterId id="2147483660" r:id="rId1"/>
   </p:sldMasterIdLst>
   <p:notesMasterIdLst>
-    <p:notesMasterId r:id="rId8"/>
+    <p:notesMasterId r:id="rId7"/>
   </p:notesMasterIdLst>
   <p:handoutMasterIdLst>
-    <p:handoutMasterId r:id="rId9"/>
+    <p:handoutMasterId r:id="rId8"/>
   </p:handoutMasterIdLst>
   <p:sldIdLst>
     <p:sldId id="371" r:id="rId2"/>
     <p:sldId id="372" r:id="rId3"/>
     <p:sldId id="373" r:id="rId4"/>
     <p:sldId id="265" r:id="rId5"/>
-    <p:sldId id="269" r:id="rId6"/>
-    <p:sldId id="374" r:id="rId7"/>
+    <p:sldId id="374" r:id="rId6"/>
   </p:sldIdLst>
   <p:sldSz cx="6858000" cy="9906000" type="A4"/>
   <p:notesSz cx="6858000" cy="9144000"/>
@@ -248,7 +247,7 @@
           <a:p>
             <a:fld id="{DC282122-47F5-4500-9A5E-ECBCFFE66B5B}" type="datetimeFigureOut">
               <a:rPr lang="ko-KR" altLang="en-US" smtClean="0"/>
-              <a:t>2025-09-22</a:t>
+              <a:t>2025-09-23</a:t>
             </a:fld>
             <a:endParaRPr lang="ko-KR" altLang="en-US"/>
           </a:p>
@@ -426,7 +425,7 @@
           <a:p>
             <a:fld id="{5C3DAF4C-20C0-4A95-ABB7-DD59F513659F}" type="datetimeFigureOut">
               <a:rPr lang="ko-KR" altLang="en-US" smtClean="0"/>
-              <a:t>2025-09-22</a:t>
+              <a:t>2025-09-23</a:t>
             </a:fld>
             <a:endParaRPr lang="ko-KR" altLang="en-US"/>
           </a:p>
@@ -1015,9 +1014,9 @@
           <a:bodyPr/>
           <a:lstStyle/>
           <a:p>
-            <a:fld id="{E7CA8C56-4301-457F-967F-99F3B7878E16}" type="datetime1">
+            <a:fld id="{87A418D9-C1C8-4FA4-A20A-BCFC4554B38B}" type="datetime1">
               <a:rPr lang="ko-KR" altLang="en-US" smtClean="0"/>
-              <a:t>2025-09-22</a:t>
+              <a:t>2025-09-23</a:t>
             </a:fld>
             <a:endParaRPr lang="ko-KR" altLang="en-US"/>
           </a:p>
@@ -1201,9 +1200,9 @@
           <a:bodyPr/>
           <a:lstStyle/>
           <a:p>
-            <a:fld id="{048D0594-50DB-4028-A24E-898C6709A3F3}" type="datetime1">
+            <a:fld id="{0F137754-E37E-4358-A773-DDCE46AC0530}" type="datetime1">
               <a:rPr lang="ko-KR" altLang="en-US" smtClean="0"/>
-              <a:t>2025-09-22</a:t>
+              <a:t>2025-09-23</a:t>
             </a:fld>
             <a:endParaRPr lang="ko-KR" altLang="en-US"/>
           </a:p>
@@ -1381,9 +1380,9 @@
           <a:bodyPr/>
           <a:lstStyle/>
           <a:p>
-            <a:fld id="{3C0A0E18-1C58-4FAA-85CB-5A305034E0E1}" type="datetime1">
+            <a:fld id="{9C8F682A-1555-4E1B-B250-99B8029E3778}" type="datetime1">
               <a:rPr lang="ko-KR" altLang="en-US" smtClean="0"/>
-              <a:t>2025-09-22</a:t>
+              <a:t>2025-09-23</a:t>
             </a:fld>
             <a:endParaRPr lang="ko-KR" altLang="en-US"/>
           </a:p>
@@ -1551,9 +1550,9 @@
           <a:bodyPr/>
           <a:lstStyle/>
           <a:p>
-            <a:fld id="{B01230D7-30EF-4EDF-9910-954B0022B768}" type="datetime1">
+            <a:fld id="{C544F11F-D529-443D-B776-83B044EFE98A}" type="datetime1">
               <a:rPr lang="ko-KR" altLang="en-US" smtClean="0"/>
-              <a:t>2025-09-22</a:t>
+              <a:t>2025-09-23</a:t>
             </a:fld>
             <a:endParaRPr lang="ko-KR" altLang="en-US"/>
           </a:p>
@@ -1797,9 +1796,9 @@
           <a:bodyPr/>
           <a:lstStyle/>
           <a:p>
-            <a:fld id="{5E5F712E-CE92-4393-8024-29BDBC32705A}" type="datetime1">
+            <a:fld id="{253C8B60-8E9E-413D-9DDA-4F079A0A3566}" type="datetime1">
               <a:rPr lang="ko-KR" altLang="en-US" smtClean="0"/>
-              <a:t>2025-09-22</a:t>
+              <a:t>2025-09-23</a:t>
             </a:fld>
             <a:endParaRPr lang="ko-KR" altLang="en-US"/>
           </a:p>
@@ -2029,9 +2028,9 @@
           <a:bodyPr/>
           <a:lstStyle/>
           <a:p>
-            <a:fld id="{E744034D-7417-4E1F-8296-1277C00A5DFD}" type="datetime1">
+            <a:fld id="{3D90B1A0-2E71-446B-9518-467F0D3C4A0F}" type="datetime1">
               <a:rPr lang="ko-KR" altLang="en-US" smtClean="0"/>
-              <a:t>2025-09-22</a:t>
+              <a:t>2025-09-23</a:t>
             </a:fld>
             <a:endParaRPr lang="ko-KR" altLang="en-US"/>
           </a:p>
@@ -2396,9 +2395,9 @@
           <a:bodyPr/>
           <a:lstStyle/>
           <a:p>
-            <a:fld id="{9BC90984-8026-4E4C-B798-EFE436542267}" type="datetime1">
+            <a:fld id="{E62A0924-10F2-4E52-B9BE-D343B808C8FB}" type="datetime1">
               <a:rPr lang="ko-KR" altLang="en-US" smtClean="0"/>
-              <a:t>2025-09-22</a:t>
+              <a:t>2025-09-23</a:t>
             </a:fld>
             <a:endParaRPr lang="ko-KR" altLang="en-US"/>
           </a:p>
@@ -2514,9 +2513,9 @@
           <a:bodyPr/>
           <a:lstStyle/>
           <a:p>
-            <a:fld id="{AF4AEA67-330A-4413-8FE3-8808C2B59274}" type="datetime1">
+            <a:fld id="{A621AB79-51ED-47DA-B2DA-DD9548D9CBB4}" type="datetime1">
               <a:rPr lang="ko-KR" altLang="en-US" smtClean="0"/>
-              <a:t>2025-09-22</a:t>
+              <a:t>2025-09-23</a:t>
             </a:fld>
             <a:endParaRPr lang="ko-KR" altLang="en-US"/>
           </a:p>
@@ -2574,6 +2573,22 @@
   <p:clrMapOvr>
     <a:masterClrMapping/>
   </p:clrMapOvr>
+  <p:extLst>
+    <p:ext uri="{DCECCB84-F9BA-43D5-87BE-67443E8EF086}">
+      <p15:sldGuideLst xmlns:p15="http://schemas.microsoft.com/office/powerpoint/2012/main">
+        <p15:guide id="1" orient="horz" pos="3120" userDrawn="1">
+          <p15:clr>
+            <a:srgbClr val="FBAE40"/>
+          </p15:clr>
+        </p15:guide>
+        <p15:guide id="2" pos="2160" userDrawn="1">
+          <p15:clr>
+            <a:srgbClr val="FBAE40"/>
+          </p15:clr>
+        </p15:guide>
+      </p15:sldGuideLst>
+    </p:ext>
+  </p:extLst>
 </p:sldLayout>
 </file>
 
@@ -2609,9 +2624,9 @@
           <a:bodyPr/>
           <a:lstStyle/>
           <a:p>
-            <a:fld id="{63964E28-8682-4AB7-8D29-F0EAC2181555}" type="datetime1">
+            <a:fld id="{B5D5D7FC-1428-412D-8E58-BB369FE7C967}" type="datetime1">
               <a:rPr lang="ko-KR" altLang="en-US" smtClean="0"/>
-              <a:t>2025-09-22</a:t>
+              <a:t>2025-09-23</a:t>
             </a:fld>
             <a:endParaRPr lang="ko-KR" altLang="en-US"/>
           </a:p>
@@ -2648,7 +2663,7 @@
         </p:nvSpPr>
         <p:spPr>
           <a:xfrm>
-            <a:off x="5011103" y="9708800"/>
+            <a:off x="5123079" y="9639350"/>
             <a:ext cx="1543050" cy="145700"/>
           </a:xfrm>
         </p:spPr>
@@ -2657,7 +2672,7 @@
           <a:lstStyle/>
           <a:p>
             <a:r>
-              <a:rPr lang="en-US" altLang="ko-KR"/>
+              <a:rPr lang="en-US" altLang="ko-KR" dirty="0"/>
               <a:t>p.</a:t>
             </a:r>
             <a:fld id="{070F40F9-ACE8-4B8E-BEF3-4D4725501AF7}" type="slidenum">
@@ -2666,8 +2681,8 @@
               <a:t>‹#›</a:t>
             </a:fld>
             <a:r>
-              <a:rPr lang="en-US" altLang="ko-KR"/>
-              <a:t>/8</a:t>
+              <a:rPr lang="en-US" altLang="ko-KR" dirty="0"/>
+              <a:t>/5</a:t>
             </a:r>
             <a:endParaRPr lang="ko-KR" altLang="en-US" dirty="0"/>
           </a:p>
@@ -2916,9 +2931,9 @@
           <a:bodyPr/>
           <a:lstStyle/>
           <a:p>
-            <a:fld id="{ED06A000-8508-461F-B1A0-B3F4C376316B}" type="datetime1">
+            <a:fld id="{DCBF00DD-C86A-4274-9F5E-ED20BF672AB5}" type="datetime1">
               <a:rPr lang="ko-KR" altLang="en-US" smtClean="0"/>
-              <a:t>2025-09-22</a:t>
+              <a:t>2025-09-23</a:t>
             </a:fld>
             <a:endParaRPr lang="ko-KR" altLang="en-US"/>
           </a:p>
@@ -2976,6 +2991,22 @@
   <p:clrMapOvr>
     <a:masterClrMapping/>
   </p:clrMapOvr>
+  <p:extLst>
+    <p:ext uri="{DCECCB84-F9BA-43D5-87BE-67443E8EF086}">
+      <p15:sldGuideLst xmlns:p15="http://schemas.microsoft.com/office/powerpoint/2012/main">
+        <p15:guide id="1" orient="horz" pos="3120" userDrawn="1">
+          <p15:clr>
+            <a:srgbClr val="FBAE40"/>
+          </p15:clr>
+        </p15:guide>
+        <p15:guide id="2" pos="2160" userDrawn="1">
+          <p15:clr>
+            <a:srgbClr val="FBAE40"/>
+          </p15:clr>
+        </p15:guide>
+      </p15:sldGuideLst>
+    </p:ext>
+  </p:extLst>
 </p:sldLayout>
 </file>
 
@@ -3173,9 +3204,9 @@
           <a:bodyPr/>
           <a:lstStyle/>
           <a:p>
-            <a:fld id="{2B3BF515-356C-4665-B776-A5F7C21BFC85}" type="datetime1">
+            <a:fld id="{BDB6B7A7-0563-44DE-8D97-C18028CEB62F}" type="datetime1">
               <a:rPr lang="ko-KR" altLang="en-US" smtClean="0"/>
-              <a:t>2025-09-22</a:t>
+              <a:t>2025-09-23</a:t>
             </a:fld>
             <a:endParaRPr lang="ko-KR" altLang="en-US"/>
           </a:p>
@@ -3386,9 +3417,9 @@
             </a:lvl1pPr>
           </a:lstStyle>
           <a:p>
-            <a:fld id="{AE75FEE0-744A-4C8F-A501-D9C1A43ABDAD}" type="datetime1">
+            <a:fld id="{B819497F-6A6A-455A-AC87-651E0DBA3658}" type="datetime1">
               <a:rPr lang="ko-KR" altLang="en-US" smtClean="0"/>
-              <a:t>2025-09-22</a:t>
+              <a:t>2025-09-23</a:t>
             </a:fld>
             <a:endParaRPr lang="ko-KR" altLang="en-US"/>
           </a:p>
@@ -3493,7 +3524,7 @@
     <p:sldLayoutId id="2147483670" r:id="rId10"/>
     <p:sldLayoutId id="2147483671" r:id="rId11"/>
   </p:sldLayoutIdLst>
-  <p:hf sldNum="0" hdr="0" ftr="0" dt="0"/>
+  <p:hf hdr="0" ftr="0" dt="0"/>
   <p:txStyles>
     <p:titleStyle>
       <a:lvl1pPr algn="l" defTabSz="685800" rtl="0" eaLnBrk="1" latinLnBrk="1" hangingPunct="1">
@@ -9167,6 +9198,44 @@
               <a:ea typeface="Pretendard" panose="02000503000000020004" pitchFamily="2" charset="-127"/>
               <a:cs typeface="Pretendard" panose="02000503000000020004" pitchFamily="2" charset="-127"/>
             </a:endParaRPr>
+          </a:p>
+        </p:txBody>
+      </p:sp>
+      <p:sp>
+        <p:nvSpPr>
+          <p:cNvPr id="5" name="슬라이드 번호 개체 틀 4">
+            <a:extLst>
+              <a:ext uri="{FF2B5EF4-FFF2-40B4-BE49-F238E27FC236}">
+                <a16:creationId xmlns:a16="http://schemas.microsoft.com/office/drawing/2014/main" id="{7001CFE4-ECF2-465B-778D-2FBC771B8D86}"/>
+              </a:ext>
+            </a:extLst>
+          </p:cNvPr>
+          <p:cNvSpPr>
+            <a:spLocks noGrp="1"/>
+          </p:cNvSpPr>
+          <p:nvPr>
+            <p:ph type="sldNum" sz="quarter" idx="12"/>
+          </p:nvPr>
+        </p:nvSpPr>
+        <p:spPr/>
+        <p:txBody>
+          <a:bodyPr/>
+          <a:lstStyle/>
+          <a:p>
+            <a:r>
+              <a:rPr lang="en-US" altLang="ko-KR"/>
+              <a:t>p.</a:t>
+            </a:r>
+            <a:fld id="{070F40F9-ACE8-4B8E-BEF3-4D4725501AF7}" type="slidenum">
+              <a:rPr lang="ko-KR" altLang="en-US" smtClean="0"/>
+              <a:pPr/>
+              <a:t>1</a:t>
+            </a:fld>
+            <a:r>
+              <a:rPr lang="en-US" altLang="ko-KR"/>
+              <a:t>/5</a:t>
+            </a:r>
+            <a:endParaRPr lang="ko-KR" altLang="en-US" dirty="0"/>
           </a:p>
         </p:txBody>
       </p:sp>
@@ -25135,6 +25204,44 @@
           </p:sp>
         </p:grpSp>
       </p:grpSp>
+      <p:sp>
+        <p:nvSpPr>
+          <p:cNvPr id="3" name="슬라이드 번호 개체 틀 2">
+            <a:extLst>
+              <a:ext uri="{FF2B5EF4-FFF2-40B4-BE49-F238E27FC236}">
+                <a16:creationId xmlns:a16="http://schemas.microsoft.com/office/drawing/2014/main" id="{E5315AD8-E5C4-D2A1-107D-4A6A08D8A6C3}"/>
+              </a:ext>
+            </a:extLst>
+          </p:cNvPr>
+          <p:cNvSpPr>
+            <a:spLocks noGrp="1"/>
+          </p:cNvSpPr>
+          <p:nvPr>
+            <p:ph type="sldNum" sz="quarter" idx="12"/>
+          </p:nvPr>
+        </p:nvSpPr>
+        <p:spPr/>
+        <p:txBody>
+          <a:bodyPr/>
+          <a:lstStyle/>
+          <a:p>
+            <a:r>
+              <a:rPr lang="en-US" altLang="ko-KR"/>
+              <a:t>p.</a:t>
+            </a:r>
+            <a:fld id="{070F40F9-ACE8-4B8E-BEF3-4D4725501AF7}" type="slidenum">
+              <a:rPr lang="ko-KR" altLang="en-US" smtClean="0"/>
+              <a:pPr/>
+              <a:t>2</a:t>
+            </a:fld>
+            <a:r>
+              <a:rPr lang="en-US" altLang="ko-KR"/>
+              <a:t>/5</a:t>
+            </a:r>
+            <a:endParaRPr lang="ko-KR" altLang="en-US" dirty="0"/>
+          </a:p>
+        </p:txBody>
+      </p:sp>
     </p:spTree>
     <p:extLst>
       <p:ext uri="{BB962C8B-B14F-4D97-AF65-F5344CB8AC3E}">
@@ -28601,6 +28708,44 @@
           </a:p>
         </p:txBody>
       </p:sp>
+      <p:sp>
+        <p:nvSpPr>
+          <p:cNvPr id="16" name="슬라이드 번호 개체 틀 15">
+            <a:extLst>
+              <a:ext uri="{FF2B5EF4-FFF2-40B4-BE49-F238E27FC236}">
+                <a16:creationId xmlns:a16="http://schemas.microsoft.com/office/drawing/2014/main" id="{0DE31732-EB4E-B6B5-63E4-6E40A9D36498}"/>
+              </a:ext>
+            </a:extLst>
+          </p:cNvPr>
+          <p:cNvSpPr>
+            <a:spLocks noGrp="1"/>
+          </p:cNvSpPr>
+          <p:nvPr>
+            <p:ph type="sldNum" sz="quarter" idx="12"/>
+          </p:nvPr>
+        </p:nvSpPr>
+        <p:spPr/>
+        <p:txBody>
+          <a:bodyPr/>
+          <a:lstStyle/>
+          <a:p>
+            <a:r>
+              <a:rPr lang="en-US" altLang="ko-KR"/>
+              <a:t>p.</a:t>
+            </a:r>
+            <a:fld id="{070F40F9-ACE8-4B8E-BEF3-4D4725501AF7}" type="slidenum">
+              <a:rPr lang="ko-KR" altLang="en-US" smtClean="0"/>
+              <a:pPr/>
+              <a:t>3</a:t>
+            </a:fld>
+            <a:r>
+              <a:rPr lang="en-US" altLang="ko-KR"/>
+              <a:t>/5</a:t>
+            </a:r>
+            <a:endParaRPr lang="ko-KR" altLang="en-US" dirty="0"/>
+          </a:p>
+        </p:txBody>
+      </p:sp>
     </p:spTree>
     <p:extLst>
       <p:ext uri="{BB962C8B-B14F-4D97-AF65-F5344CB8AC3E}">
@@ -28651,7 +28796,7 @@
         </p:nvGrpSpPr>
         <p:grpSpPr>
           <a:xfrm>
-            <a:off x="185459" y="679340"/>
+            <a:off x="188665" y="641200"/>
             <a:ext cx="6487083" cy="5989190"/>
             <a:chOff x="185458" y="4124129"/>
             <a:chExt cx="6487083" cy="5989190"/>
@@ -29418,6 +29563,44 @@
           </p:txBody>
         </p:sp>
       </p:grpSp>
+      <p:sp>
+        <p:nvSpPr>
+          <p:cNvPr id="39" name="슬라이드 번호 개체 틀 38">
+            <a:extLst>
+              <a:ext uri="{FF2B5EF4-FFF2-40B4-BE49-F238E27FC236}">
+                <a16:creationId xmlns:a16="http://schemas.microsoft.com/office/drawing/2014/main" id="{B997A8B5-B2A5-F5A7-06A6-5124ABC0ED97}"/>
+              </a:ext>
+            </a:extLst>
+          </p:cNvPr>
+          <p:cNvSpPr>
+            <a:spLocks noGrp="1"/>
+          </p:cNvSpPr>
+          <p:nvPr>
+            <p:ph type="sldNum" sz="quarter" idx="12"/>
+          </p:nvPr>
+        </p:nvSpPr>
+        <p:spPr/>
+        <p:txBody>
+          <a:bodyPr/>
+          <a:lstStyle/>
+          <a:p>
+            <a:r>
+              <a:rPr lang="en-US" altLang="ko-KR"/>
+              <a:t>p.</a:t>
+            </a:r>
+            <a:fld id="{070F40F9-ACE8-4B8E-BEF3-4D4725501AF7}" type="slidenum">
+              <a:rPr lang="ko-KR" altLang="en-US" smtClean="0"/>
+              <a:pPr/>
+              <a:t>4</a:t>
+            </a:fld>
+            <a:r>
+              <a:rPr lang="en-US" altLang="ko-KR"/>
+              <a:t>/5</a:t>
+            </a:r>
+            <a:endParaRPr lang="ko-KR" altLang="en-US" dirty="0"/>
+          </a:p>
+        </p:txBody>
+      </p:sp>
     </p:spTree>
     <p:extLst>
       <p:ext uri="{BB962C8B-B14F-4D97-AF65-F5344CB8AC3E}">
@@ -29432,1248 +29615,6 @@
 </file>
 
 <file path=ppt/slides/slide5.xml><?xml version="1.0" encoding="utf-8"?>
-<p:sld xmlns:a="http://schemas.openxmlformats.org/drawingml/2006/main" xmlns:r="http://schemas.openxmlformats.org/officeDocument/2006/relationships" xmlns:p="http://schemas.openxmlformats.org/presentationml/2006/main">
-  <p:cSld>
-    <p:spTree>
-      <p:nvGrpSpPr>
-        <p:cNvPr id="1" name="">
-          <a:extLst>
-            <a:ext uri="{FF2B5EF4-FFF2-40B4-BE49-F238E27FC236}">
-              <a16:creationId xmlns:a16="http://schemas.microsoft.com/office/drawing/2014/main" id="{D3B40D52-5B0D-5BD1-A54C-8314B8C3CF0B}"/>
-            </a:ext>
-          </a:extLst>
-        </p:cNvPr>
-        <p:cNvGrpSpPr/>
-        <p:nvPr/>
-      </p:nvGrpSpPr>
-      <p:grpSpPr>
-        <a:xfrm>
-          <a:off x="0" y="0"/>
-          <a:ext cx="0" cy="0"/>
-          <a:chOff x="0" y="0"/>
-          <a:chExt cx="0" cy="0"/>
-        </a:xfrm>
-      </p:grpSpPr>
-      <p:grpSp>
-        <p:nvGrpSpPr>
-          <p:cNvPr id="17" name="그룹 16">
-            <a:extLst>
-              <a:ext uri="{FF2B5EF4-FFF2-40B4-BE49-F238E27FC236}">
-                <a16:creationId xmlns:a16="http://schemas.microsoft.com/office/drawing/2014/main" id="{D6111F70-18EF-2A94-6087-C54C2CC63DBD}"/>
-              </a:ext>
-            </a:extLst>
-          </p:cNvPr>
-          <p:cNvGrpSpPr/>
-          <p:nvPr/>
-        </p:nvGrpSpPr>
-        <p:grpSpPr>
-          <a:xfrm>
-            <a:off x="188665" y="679339"/>
-            <a:ext cx="6480671" cy="5255656"/>
-            <a:chOff x="185458" y="344488"/>
-            <a:chExt cx="6480671" cy="5255656"/>
-          </a:xfrm>
-        </p:grpSpPr>
-        <p:sp>
-          <p:nvSpPr>
-            <p:cNvPr id="2" name="TextBox 1">
-              <a:extLst>
-                <a:ext uri="{FF2B5EF4-FFF2-40B4-BE49-F238E27FC236}">
-                  <a16:creationId xmlns:a16="http://schemas.microsoft.com/office/drawing/2014/main" id="{3BCE9782-8D56-C75B-4F13-512920C4245A}"/>
-                </a:ext>
-              </a:extLst>
-            </p:cNvPr>
-            <p:cNvSpPr txBox="1"/>
-            <p:nvPr/>
-          </p:nvSpPr>
-          <p:spPr>
-            <a:xfrm>
-              <a:off x="290620" y="742870"/>
-              <a:ext cx="6269676" cy="4857274"/>
-            </a:xfrm>
-            <a:prstGeom prst="rect">
-              <a:avLst/>
-            </a:prstGeom>
-            <a:solidFill>
-              <a:schemeClr val="bg1"/>
-            </a:solidFill>
-          </p:spPr>
-          <p:txBody>
-            <a:bodyPr wrap="square" lIns="0" tIns="72000" rIns="0" bIns="72000" rtlCol="0" anchor="t">
-              <a:spAutoFit/>
-            </a:bodyPr>
-            <a:lstStyle>
-              <a:defPPr>
-                <a:defRPr lang="en-US"/>
-              </a:defPPr>
-              <a:lvl1pPr>
-                <a:lnSpc>
-                  <a:spcPct val="135000"/>
-                </a:lnSpc>
-                <a:spcAft>
-                  <a:spcPts val="800"/>
-                </a:spcAft>
-                <a:defRPr sz="1000">
-                  <a:ln>
-                    <a:solidFill>
-                      <a:schemeClr val="bg1">
-                        <a:lumMod val="75000"/>
-                        <a:alpha val="0"/>
-                      </a:schemeClr>
-                    </a:solidFill>
-                  </a:ln>
-                  <a:latin typeface="Pretendard Light" panose="02000403000000020004" pitchFamily="2" charset="-127"/>
-                  <a:ea typeface="Pretendard Light" panose="02000403000000020004" pitchFamily="2" charset="-127"/>
-                  <a:cs typeface="Pretendard Light" panose="02000403000000020004" pitchFamily="2" charset="-127"/>
-                </a:defRPr>
-              </a:lvl1pPr>
-            </a:lstStyle>
-            <a:p>
-              <a:pPr>
-                <a:lnSpc>
-                  <a:spcPct val="140000"/>
-                </a:lnSpc>
-                <a:spcAft>
-                  <a:spcPts val="1000"/>
-                </a:spcAft>
-              </a:pPr>
-              <a:r>
-                <a:rPr lang="ko-KR" altLang="en-US" dirty="0"/>
-                <a:t>저는 다음과 같은 두 가지 장점이 있습니다</a:t>
-              </a:r>
-              <a:r>
-                <a:rPr lang="en-US" altLang="ko-KR" dirty="0"/>
-                <a:t>. </a:t>
-              </a:r>
-            </a:p>
-            <a:p>
-              <a:pPr>
-                <a:lnSpc>
-                  <a:spcPct val="140000"/>
-                </a:lnSpc>
-                <a:spcAft>
-                  <a:spcPts val="1000"/>
-                </a:spcAft>
-              </a:pPr>
-              <a:r>
-                <a:rPr lang="ko-KR" altLang="en-US" dirty="0">
-                  <a:latin typeface="Pretendard Medium" panose="02000603000000020004" pitchFamily="2" charset="-127"/>
-                  <a:ea typeface="Pretendard Medium" panose="02000603000000020004" pitchFamily="2" charset="-127"/>
-                  <a:cs typeface="Pretendard Medium" panose="02000603000000020004" pitchFamily="2" charset="-127"/>
-                </a:rPr>
-                <a:t>첫째</a:t>
-              </a:r>
-              <a:r>
-                <a:rPr lang="en-US" altLang="ko-KR" dirty="0">
-                  <a:latin typeface="Pretendard Medium" panose="02000603000000020004" pitchFamily="2" charset="-127"/>
-                  <a:ea typeface="Pretendard Medium" panose="02000603000000020004" pitchFamily="2" charset="-127"/>
-                  <a:cs typeface="Pretendard Medium" panose="02000603000000020004" pitchFamily="2" charset="-127"/>
-                </a:rPr>
-                <a:t>,</a:t>
-              </a:r>
-              <a:r>
-                <a:rPr lang="ko-KR" altLang="en-US" dirty="0">
-                  <a:latin typeface="Pretendard Medium" panose="02000603000000020004" pitchFamily="2" charset="-127"/>
-                  <a:ea typeface="Pretendard Medium" panose="02000603000000020004" pitchFamily="2" charset="-127"/>
-                  <a:cs typeface="Pretendard Medium" panose="02000603000000020004" pitchFamily="2" charset="-127"/>
-                </a:rPr>
-                <a:t> 타인과의 협업 과정에서 의사소통에 힘씁니다</a:t>
-              </a:r>
-              <a:r>
-                <a:rPr lang="en-US" altLang="ko-KR" dirty="0">
-                  <a:latin typeface="Pretendard Medium" panose="02000603000000020004" pitchFamily="2" charset="-127"/>
-                  <a:ea typeface="Pretendard Medium" panose="02000603000000020004" pitchFamily="2" charset="-127"/>
-                  <a:cs typeface="Pretendard Medium" panose="02000603000000020004" pitchFamily="2" charset="-127"/>
-                </a:rPr>
-                <a:t>.</a:t>
-              </a:r>
-              <a:r>
-                <a:rPr lang="en-US" altLang="ko-KR" dirty="0">
-                  <a:latin typeface="Pretendard" panose="02000503000000020004" pitchFamily="2" charset="-127"/>
-                  <a:ea typeface="Pretendard" panose="02000503000000020004" pitchFamily="2" charset="-127"/>
-                  <a:cs typeface="Pretendard" panose="02000503000000020004" pitchFamily="2" charset="-127"/>
-                </a:rPr>
-                <a:t> </a:t>
-              </a:r>
-              <a:br>
-                <a:rPr lang="en-US" altLang="ko-KR" dirty="0">
-                  <a:latin typeface="Pretendard" panose="02000503000000020004" pitchFamily="2" charset="-127"/>
-                  <a:ea typeface="Pretendard" panose="02000503000000020004" pitchFamily="2" charset="-127"/>
-                  <a:cs typeface="Pretendard" panose="02000503000000020004" pitchFamily="2" charset="-127"/>
-                </a:rPr>
-              </a:br>
-              <a:r>
-                <a:rPr lang="ko-KR" altLang="en-US" dirty="0"/>
-                <a:t>저는 팀원들과 많은 의견을 주고 받으며 프로젝트로 적극적으로 참여할 때 더 성취감과 소속감을 느낍니다</a:t>
-              </a:r>
-              <a:r>
-                <a:rPr lang="en-US" altLang="ko-KR" dirty="0"/>
-                <a:t>. </a:t>
-              </a:r>
-              <a:r>
-                <a:rPr lang="ko-KR" altLang="en-US" dirty="0"/>
-                <a:t>그 과정에서 제가 제시하는 의견의 신뢰도를 높이기 위해 맡은 역할에도 책임을 다하고 규칙을 지키려고 노력합니다</a:t>
-              </a:r>
-              <a:r>
-                <a:rPr lang="en-US" altLang="ko-KR" dirty="0"/>
-                <a:t>. </a:t>
-              </a:r>
-              <a:r>
-                <a:rPr lang="ko-KR" altLang="en-US" dirty="0"/>
-                <a:t>이런 성향은 </a:t>
-              </a:r>
-              <a:r>
-                <a:rPr lang="en-US" altLang="ko-KR" dirty="0"/>
-                <a:t>‘</a:t>
-              </a:r>
-              <a:r>
-                <a:rPr lang="ko-KR" altLang="en-US" dirty="0"/>
-                <a:t>의견을 뒷받침하기 위한 능력을 키우자</a:t>
-              </a:r>
-              <a:r>
-                <a:rPr lang="en-US" altLang="ko-KR" dirty="0"/>
-                <a:t>’</a:t>
-              </a:r>
-              <a:r>
-                <a:rPr lang="ko-KR" altLang="en-US" dirty="0"/>
-                <a:t>는 가치관으로 발전하게 되었습니다</a:t>
-              </a:r>
-              <a:r>
-                <a:rPr lang="en-US" altLang="ko-KR" dirty="0"/>
-                <a:t>. </a:t>
-              </a:r>
-              <a:r>
-                <a:rPr lang="ko-KR" altLang="en-US" dirty="0"/>
-                <a:t>워크넷의 직업 선호도 검사</a:t>
-              </a:r>
-              <a:r>
-                <a:rPr lang="en-US" altLang="ko-KR" dirty="0"/>
-                <a:t>(L</a:t>
-              </a:r>
-              <a:r>
-                <a:rPr lang="ko-KR" altLang="en-US" dirty="0"/>
-                <a:t>형</a:t>
-              </a:r>
-              <a:r>
-                <a:rPr lang="en-US" altLang="ko-KR" dirty="0"/>
-                <a:t>)</a:t>
-              </a:r>
-              <a:r>
-                <a:rPr lang="ko-KR" altLang="en-US" dirty="0"/>
-                <a:t>에서는 사회형</a:t>
-              </a:r>
-              <a:r>
-                <a:rPr lang="en-US" altLang="ko-KR" dirty="0"/>
-                <a:t>(S), </a:t>
-              </a:r>
-              <a:r>
-                <a:rPr lang="ko-KR" altLang="en-US" dirty="0"/>
-                <a:t>관습형</a:t>
-              </a:r>
-              <a:r>
-                <a:rPr lang="en-US" altLang="ko-KR" dirty="0"/>
-                <a:t>(C) </a:t>
-              </a:r>
-              <a:r>
-                <a:rPr lang="ko-KR" altLang="en-US" dirty="0"/>
-                <a:t>에 해당하는 결과를 받기도 했습니다</a:t>
-              </a:r>
-              <a:r>
-                <a:rPr lang="en-US" altLang="ko-KR" dirty="0"/>
-                <a:t>. </a:t>
-              </a:r>
-            </a:p>
-            <a:p>
-              <a:pPr>
-                <a:lnSpc>
-                  <a:spcPct val="140000"/>
-                </a:lnSpc>
-                <a:spcAft>
-                  <a:spcPts val="1000"/>
-                </a:spcAft>
-              </a:pPr>
-              <a:r>
-                <a:rPr lang="ko-KR" altLang="en-US" dirty="0">
-                  <a:latin typeface="Pretendard Medium" panose="02000603000000020004" pitchFamily="2" charset="-127"/>
-                  <a:ea typeface="Pretendard Medium" panose="02000603000000020004" pitchFamily="2" charset="-127"/>
-                  <a:cs typeface="Pretendard Medium" panose="02000603000000020004" pitchFamily="2" charset="-127"/>
-                </a:rPr>
-                <a:t>둘째</a:t>
-              </a:r>
-              <a:r>
-                <a:rPr lang="en-US" altLang="ko-KR" dirty="0">
-                  <a:latin typeface="Pretendard Medium" panose="02000603000000020004" pitchFamily="2" charset="-127"/>
-                  <a:ea typeface="Pretendard Medium" panose="02000603000000020004" pitchFamily="2" charset="-127"/>
-                  <a:cs typeface="Pretendard Medium" panose="02000603000000020004" pitchFamily="2" charset="-127"/>
-                </a:rPr>
-                <a:t>, </a:t>
-              </a:r>
-              <a:r>
-                <a:rPr lang="ko-KR" altLang="en-US" dirty="0">
-                  <a:latin typeface="Pretendard Medium" panose="02000603000000020004" pitchFamily="2" charset="-127"/>
-                  <a:ea typeface="Pretendard Medium" panose="02000603000000020004" pitchFamily="2" charset="-127"/>
-                  <a:cs typeface="Pretendard Medium" panose="02000603000000020004" pitchFamily="2" charset="-127"/>
-                </a:rPr>
-                <a:t>제가 생각한 이상적인 결과를 위해 끝까지 파고듭니다</a:t>
-              </a:r>
-              <a:r>
-                <a:rPr lang="en-US" altLang="ko-KR" dirty="0">
-                  <a:latin typeface="Pretendard Medium" panose="02000603000000020004" pitchFamily="2" charset="-127"/>
-                  <a:ea typeface="Pretendard Medium" panose="02000603000000020004" pitchFamily="2" charset="-127"/>
-                  <a:cs typeface="Pretendard Medium" panose="02000603000000020004" pitchFamily="2" charset="-127"/>
-                </a:rPr>
-                <a:t>. </a:t>
-              </a:r>
-              <a:br>
-                <a:rPr lang="en-US" altLang="ko-KR" dirty="0">
-                  <a:latin typeface="Pretendard" panose="02000503000000020004" pitchFamily="2" charset="-127"/>
-                  <a:ea typeface="Pretendard" panose="02000503000000020004" pitchFamily="2" charset="-127"/>
-                  <a:cs typeface="Pretendard" panose="02000503000000020004" pitchFamily="2" charset="-127"/>
-                </a:rPr>
-              </a:br>
-              <a:r>
-                <a:rPr lang="en-US" altLang="ko-KR" dirty="0"/>
-                <a:t>‘</a:t>
-              </a:r>
-              <a:r>
-                <a:rPr lang="ko-KR" altLang="en-US" dirty="0"/>
-                <a:t>이것보다 더 나은 방법은 없나</a:t>
-              </a:r>
-              <a:r>
-                <a:rPr lang="en-US" altLang="ko-KR" dirty="0"/>
-                <a:t>?’ / ‘</a:t>
-              </a:r>
-              <a:r>
-                <a:rPr lang="ko-KR" altLang="en-US" dirty="0"/>
-                <a:t>이건 왜 이렇게 되지</a:t>
-              </a:r>
-              <a:r>
-                <a:rPr lang="en-US" altLang="ko-KR" dirty="0"/>
-                <a:t>?’ / ‘</a:t>
-              </a:r>
-              <a:r>
-                <a:rPr lang="ko-KR" altLang="en-US" dirty="0"/>
-                <a:t>조금만 더 하면 될 것 같은데</a:t>
-              </a:r>
-              <a:r>
-                <a:rPr lang="en-US" altLang="ko-KR" dirty="0"/>
-                <a:t>?’ </a:t>
-              </a:r>
-              <a:r>
-                <a:rPr lang="ko-KR" altLang="en-US" dirty="0"/>
-                <a:t>같은 생각들로 인해 이상적인 결과에 대해 생각한 후 끝까지 파고 들게 됩니다</a:t>
-              </a:r>
-              <a:r>
-                <a:rPr lang="en-US" altLang="ko-KR" dirty="0"/>
-                <a:t>. </a:t>
-              </a:r>
-              <a:r>
-                <a:rPr lang="ko-KR" altLang="en-US" dirty="0"/>
-                <a:t>대학교를 다닐 때</a:t>
-              </a:r>
-              <a:r>
-                <a:rPr lang="en-US" altLang="ko-KR" dirty="0"/>
-                <a:t>, </a:t>
-              </a:r>
-              <a:r>
-                <a:rPr lang="ko-KR" altLang="en-US" dirty="0"/>
-                <a:t>프로그래밍 과제를 하면서 오류가 발생한 코드를 우연히 해결한 적이 있습니다</a:t>
-              </a:r>
-              <a:r>
-                <a:rPr lang="en-US" altLang="ko-KR" dirty="0"/>
-                <a:t>. </a:t>
-              </a:r>
-              <a:r>
-                <a:rPr lang="ko-KR" altLang="en-US" dirty="0"/>
-                <a:t>이때 왜 오류가 사라졌는지 완벽하게 이해하고 싶어서 밤새도록 교재를 찾거나 인터넷 검색을 하며 많은 시간을 쓴 적이 있습니다</a:t>
-              </a:r>
-              <a:r>
-                <a:rPr lang="en-US" altLang="ko-KR" dirty="0"/>
-                <a:t>. </a:t>
-              </a:r>
-              <a:r>
-                <a:rPr lang="ko-KR" altLang="en-US" dirty="0"/>
-                <a:t>게임을 할 때에도 난이도가 높은 몬스터에게 끝까지 도전합니다</a:t>
-              </a:r>
-              <a:r>
-                <a:rPr lang="en-US" altLang="ko-KR" dirty="0"/>
-                <a:t>. </a:t>
-              </a:r>
-              <a:r>
-                <a:rPr lang="ko-KR" altLang="en-US" dirty="0"/>
-                <a:t>그 과정에서 점차 숙련도가 증가하며</a:t>
-              </a:r>
-              <a:r>
-                <a:rPr lang="en-US" altLang="ko-KR" dirty="0"/>
-                <a:t>, </a:t>
-              </a:r>
-              <a:r>
-                <a:rPr lang="ko-KR" altLang="en-US" dirty="0"/>
-                <a:t>원하는 방향으로 전투를 이끌어 나갈 때 더 큰 성취감과 짜릿함을 얻게 됩니다</a:t>
-              </a:r>
-              <a:r>
-                <a:rPr lang="en-US" altLang="ko-KR" dirty="0"/>
-                <a:t>. </a:t>
-              </a:r>
-            </a:p>
-            <a:p>
-              <a:pPr>
-                <a:lnSpc>
-                  <a:spcPct val="140000"/>
-                </a:lnSpc>
-                <a:spcAft>
-                  <a:spcPts val="1000"/>
-                </a:spcAft>
-              </a:pPr>
-              <a:r>
-                <a:rPr lang="ko-KR" altLang="en-US" dirty="0">
-                  <a:latin typeface="Pretendard Medium" panose="02000603000000020004" pitchFamily="2" charset="-127"/>
-                  <a:ea typeface="Pretendard Medium" panose="02000603000000020004" pitchFamily="2" charset="-127"/>
-                  <a:cs typeface="Pretendard Medium" panose="02000603000000020004" pitchFamily="2" charset="-127"/>
-                </a:rPr>
-                <a:t>반면</a:t>
-              </a:r>
-              <a:r>
-                <a:rPr lang="en-US" altLang="ko-KR" dirty="0">
-                  <a:latin typeface="Pretendard Medium" panose="02000603000000020004" pitchFamily="2" charset="-127"/>
-                  <a:ea typeface="Pretendard Medium" panose="02000603000000020004" pitchFamily="2" charset="-127"/>
-                  <a:cs typeface="Pretendard Medium" panose="02000603000000020004" pitchFamily="2" charset="-127"/>
-                </a:rPr>
-                <a:t>, </a:t>
-              </a:r>
-              <a:r>
-                <a:rPr lang="ko-KR" altLang="en-US" dirty="0">
-                  <a:latin typeface="Pretendard Medium" panose="02000603000000020004" pitchFamily="2" charset="-127"/>
-                  <a:ea typeface="Pretendard Medium" panose="02000603000000020004" pitchFamily="2" charset="-127"/>
-                  <a:cs typeface="Pretendard Medium" panose="02000603000000020004" pitchFamily="2" charset="-127"/>
-                </a:rPr>
-                <a:t>때로는 지엽적인 일에도 이상적인 결과를 위해 끝까지 파고들게 됩니다</a:t>
-              </a:r>
-              <a:r>
-                <a:rPr lang="en-US" altLang="ko-KR" dirty="0">
-                  <a:latin typeface="Pretendard Medium" panose="02000603000000020004" pitchFamily="2" charset="-127"/>
-                  <a:ea typeface="Pretendard Medium" panose="02000603000000020004" pitchFamily="2" charset="-127"/>
-                  <a:cs typeface="Pretendard Medium" panose="02000603000000020004" pitchFamily="2" charset="-127"/>
-                </a:rPr>
-                <a:t>.</a:t>
-              </a:r>
-              <a:br>
-                <a:rPr lang="en-US" altLang="ko-KR" dirty="0">
-                  <a:latin typeface="Pretendard" panose="02000503000000020004" pitchFamily="2" charset="-127"/>
-                  <a:ea typeface="Pretendard" panose="02000503000000020004" pitchFamily="2" charset="-127"/>
-                  <a:cs typeface="Pretendard" panose="02000503000000020004" pitchFamily="2" charset="-127"/>
-                </a:rPr>
-              </a:br>
-              <a:r>
-                <a:rPr lang="ko-KR" altLang="en-US" dirty="0"/>
-                <a:t>먼저 이상적인 결과를 </a:t>
-              </a:r>
-              <a:endParaRPr lang="en-US" altLang="ko-KR" dirty="0"/>
-            </a:p>
-            <a:p>
-              <a:pPr>
-                <a:lnSpc>
-                  <a:spcPct val="140000"/>
-                </a:lnSpc>
-                <a:spcAft>
-                  <a:spcPts val="1000"/>
-                </a:spcAft>
-              </a:pPr>
-              <a:r>
-                <a:rPr lang="ko-KR" altLang="en-US" dirty="0" err="1"/>
-                <a:t>ㅁ는</a:t>
-              </a:r>
-              <a:r>
-                <a:rPr lang="ko-KR" altLang="en-US" dirty="0"/>
-                <a:t> 제가 해야 할 일의 방향성을 제대로 세우지 못해서 발생하는 일이라고 생각합니다</a:t>
-              </a:r>
-              <a:r>
-                <a:rPr lang="en-US" altLang="ko-KR" dirty="0"/>
-                <a:t>. </a:t>
-              </a:r>
-              <a:r>
-                <a:rPr lang="ko-KR" altLang="en-US" dirty="0"/>
-                <a:t>이를 해결하기 위해 스스로에게 </a:t>
-              </a:r>
-              <a:r>
-                <a:rPr lang="en-US" altLang="ko-KR" dirty="0"/>
-                <a:t>‘</a:t>
-              </a:r>
-              <a:r>
-                <a:rPr lang="ko-KR" altLang="en-US" dirty="0"/>
-                <a:t>왜</a:t>
-              </a:r>
-              <a:r>
-                <a:rPr lang="en-US" altLang="ko-KR" dirty="0"/>
-                <a:t>?’</a:t>
-              </a:r>
-              <a:r>
-                <a:rPr lang="ko-KR" altLang="en-US" dirty="0"/>
-                <a:t>라는 질문을 계속해서 던지려고 노력합니다</a:t>
-              </a:r>
-              <a:r>
-                <a:rPr lang="en-US" altLang="ko-KR" dirty="0"/>
-                <a:t>. </a:t>
-              </a:r>
-              <a:r>
-                <a:rPr lang="ko-KR" altLang="en-US" dirty="0"/>
-                <a:t>아직은 의도적으로 </a:t>
-              </a:r>
-              <a:r>
-                <a:rPr lang="en-US" altLang="ko-KR" dirty="0"/>
-                <a:t>‘</a:t>
-              </a:r>
-              <a:r>
-                <a:rPr lang="ko-KR" altLang="en-US" dirty="0"/>
-                <a:t>왜</a:t>
-              </a:r>
-              <a:r>
-                <a:rPr lang="en-US" altLang="ko-KR" dirty="0"/>
-                <a:t>?’</a:t>
-              </a:r>
-              <a:r>
-                <a:rPr lang="ko-KR" altLang="en-US" dirty="0"/>
-                <a:t>라는 생각을 해야 하지만</a:t>
-              </a:r>
-              <a:r>
-                <a:rPr lang="en-US" altLang="ko-KR" dirty="0"/>
-                <a:t>, </a:t>
-              </a:r>
-              <a:r>
-                <a:rPr lang="ko-KR" altLang="en-US" dirty="0"/>
-                <a:t>결국 생각하기 전에 몸이 알아서 방향을 세우고 방향을 따라 가는</a:t>
-              </a:r>
-              <a:endParaRPr lang="en-US" altLang="ko-KR" dirty="0"/>
-            </a:p>
-            <a:p>
-              <a:pPr>
-                <a:lnSpc>
-                  <a:spcPct val="140000"/>
-                </a:lnSpc>
-                <a:spcAft>
-                  <a:spcPts val="1000"/>
-                </a:spcAft>
-              </a:pPr>
-              <a:r>
-                <a:rPr lang="ko-KR" altLang="en-US" dirty="0"/>
-                <a:t>또한</a:t>
-              </a:r>
-              <a:r>
-                <a:rPr lang="en-US" altLang="ko-KR" dirty="0"/>
-                <a:t>, </a:t>
-              </a:r>
-              <a:r>
-                <a:rPr lang="ko-KR" altLang="en-US" dirty="0"/>
-                <a:t>업무에 우선순위를 정하고 기획의도를 가장 먼저 생각하여 계획을 세워 우선순위가 높은 업무부터 진행하는 습관을 키우고 있습니다</a:t>
-              </a:r>
-              <a:r>
-                <a:rPr lang="en-US" altLang="ko-KR" dirty="0"/>
-                <a:t>. </a:t>
-              </a:r>
-              <a:r>
-                <a:rPr lang="ko-KR" altLang="en-US" dirty="0"/>
-                <a:t>아직은 스스로 우선순위를 설정하는 능력이 부족하지만</a:t>
-              </a:r>
-              <a:r>
-                <a:rPr lang="en-US" altLang="ko-KR" dirty="0"/>
-                <a:t>, </a:t>
-              </a:r>
-              <a:r>
-                <a:rPr lang="ko-KR" altLang="en-US" dirty="0"/>
-                <a:t>처음에는 동료분들에게 </a:t>
-              </a:r>
-              <a:endParaRPr lang="en-US" altLang="ko-KR" dirty="0"/>
-            </a:p>
-          </p:txBody>
-        </p:sp>
-        <p:sp>
-          <p:nvSpPr>
-            <p:cNvPr id="3" name="직사각형 2">
-              <a:extLst>
-                <a:ext uri="{FF2B5EF4-FFF2-40B4-BE49-F238E27FC236}">
-                  <a16:creationId xmlns:a16="http://schemas.microsoft.com/office/drawing/2014/main" id="{998D0BA4-93AC-A22C-7707-CBBEB7B50CB8}"/>
-                </a:ext>
-              </a:extLst>
-            </p:cNvPr>
-            <p:cNvSpPr/>
-            <p:nvPr/>
-          </p:nvSpPr>
-          <p:spPr>
-            <a:xfrm>
-              <a:off x="185458" y="344489"/>
-              <a:ext cx="6480671" cy="398381"/>
-            </a:xfrm>
-            <a:prstGeom prst="rect">
-              <a:avLst/>
-            </a:prstGeom>
-            <a:solidFill>
-              <a:srgbClr val="E1F2FF"/>
-            </a:solidFill>
-            <a:ln>
-              <a:noFill/>
-            </a:ln>
-            <a:effectLst/>
-          </p:spPr>
-          <p:style>
-            <a:lnRef idx="2">
-              <a:schemeClr val="accent1">
-                <a:shade val="15000"/>
-              </a:schemeClr>
-            </a:lnRef>
-            <a:fillRef idx="1">
-              <a:schemeClr val="accent1"/>
-            </a:fillRef>
-            <a:effectRef idx="0">
-              <a:schemeClr val="accent1"/>
-            </a:effectRef>
-            <a:fontRef idx="minor">
-              <a:schemeClr val="lt1"/>
-            </a:fontRef>
-          </p:style>
-          <p:txBody>
-            <a:bodyPr rtlCol="0" anchor="ctr"/>
-            <a:lstStyle/>
-            <a:p>
-              <a:pPr algn="ctr"/>
-              <a:endParaRPr lang="ko-KR" altLang="en-US" sz="900"/>
-            </a:p>
-          </p:txBody>
-        </p:sp>
-        <p:sp>
-          <p:nvSpPr>
-            <p:cNvPr id="4" name="TextBox 3">
-              <a:extLst>
-                <a:ext uri="{FF2B5EF4-FFF2-40B4-BE49-F238E27FC236}">
-                  <a16:creationId xmlns:a16="http://schemas.microsoft.com/office/drawing/2014/main" id="{FE896826-E143-530A-4232-939E67D80151}"/>
-                </a:ext>
-              </a:extLst>
-            </p:cNvPr>
-            <p:cNvSpPr txBox="1"/>
-            <p:nvPr/>
-          </p:nvSpPr>
-          <p:spPr>
-            <a:xfrm>
-              <a:off x="290620" y="459041"/>
-              <a:ext cx="771045" cy="169277"/>
-            </a:xfrm>
-            <a:prstGeom prst="rect">
-              <a:avLst/>
-            </a:prstGeom>
-            <a:noFill/>
-          </p:spPr>
-          <p:txBody>
-            <a:bodyPr wrap="none" lIns="0" tIns="0" rIns="0" bIns="0" rtlCol="0" anchor="t">
-              <a:spAutoFit/>
-            </a:bodyPr>
-            <a:lstStyle/>
-            <a:p>
-              <a:r>
-                <a:rPr lang="ko-KR" altLang="en-US" sz="1100" dirty="0">
-                  <a:latin typeface="페이퍼로지 7 Bold" pitchFamily="2" charset="-127"/>
-                  <a:ea typeface="페이퍼로지 7 Bold" pitchFamily="2" charset="-127"/>
-                  <a:cs typeface="Pretendard Medium" panose="02000603000000020004" pitchFamily="2" charset="-127"/>
-                </a:rPr>
-                <a:t>성격의 장단점</a:t>
-              </a:r>
-            </a:p>
-          </p:txBody>
-        </p:sp>
-        <p:cxnSp>
-          <p:nvCxnSpPr>
-            <p:cNvPr id="11" name="직선 연결선 10">
-              <a:extLst>
-                <a:ext uri="{FF2B5EF4-FFF2-40B4-BE49-F238E27FC236}">
-                  <a16:creationId xmlns:a16="http://schemas.microsoft.com/office/drawing/2014/main" id="{0B382C6D-251F-67AE-B2BA-628E2F2FE5F0}"/>
-                </a:ext>
-              </a:extLst>
-            </p:cNvPr>
-            <p:cNvCxnSpPr>
-              <a:cxnSpLocks/>
-            </p:cNvCxnSpPr>
-            <p:nvPr/>
-          </p:nvCxnSpPr>
-          <p:spPr>
-            <a:xfrm>
-              <a:off x="185459" y="742870"/>
-              <a:ext cx="6480000" cy="0"/>
-            </a:xfrm>
-            <a:prstGeom prst="line">
-              <a:avLst/>
-            </a:prstGeom>
-            <a:ln w="9525">
-              <a:solidFill>
-                <a:schemeClr val="bg1">
-                  <a:lumMod val="75000"/>
-                </a:schemeClr>
-              </a:solidFill>
-            </a:ln>
-          </p:spPr>
-          <p:style>
-            <a:lnRef idx="2">
-              <a:schemeClr val="accent1"/>
-            </a:lnRef>
-            <a:fillRef idx="0">
-              <a:schemeClr val="accent1"/>
-            </a:fillRef>
-            <a:effectRef idx="1">
-              <a:schemeClr val="accent1"/>
-            </a:effectRef>
-            <a:fontRef idx="minor">
-              <a:schemeClr val="tx1"/>
-            </a:fontRef>
-          </p:style>
-        </p:cxnSp>
-        <p:sp>
-          <p:nvSpPr>
-            <p:cNvPr id="12" name="직사각형 11">
-              <a:extLst>
-                <a:ext uri="{FF2B5EF4-FFF2-40B4-BE49-F238E27FC236}">
-                  <a16:creationId xmlns:a16="http://schemas.microsoft.com/office/drawing/2014/main" id="{2FE1D1F5-50BC-BB09-43F8-04A0D3DA129C}"/>
-                </a:ext>
-              </a:extLst>
-            </p:cNvPr>
-            <p:cNvSpPr/>
-            <p:nvPr/>
-          </p:nvSpPr>
-          <p:spPr>
-            <a:xfrm>
-              <a:off x="185458" y="344488"/>
-              <a:ext cx="6480000" cy="3921957"/>
-            </a:xfrm>
-            <a:prstGeom prst="rect">
-              <a:avLst/>
-            </a:prstGeom>
-            <a:noFill/>
-            <a:ln w="12700">
-              <a:solidFill>
-                <a:schemeClr val="bg1">
-                  <a:lumMod val="75000"/>
-                </a:schemeClr>
-              </a:solidFill>
-            </a:ln>
-            <a:effectLst/>
-          </p:spPr>
-          <p:style>
-            <a:lnRef idx="2">
-              <a:schemeClr val="accent1">
-                <a:shade val="15000"/>
-              </a:schemeClr>
-            </a:lnRef>
-            <a:fillRef idx="1">
-              <a:schemeClr val="accent1"/>
-            </a:fillRef>
-            <a:effectRef idx="0">
-              <a:schemeClr val="accent1"/>
-            </a:effectRef>
-            <a:fontRef idx="minor">
-              <a:schemeClr val="lt1"/>
-            </a:fontRef>
-          </p:style>
-          <p:txBody>
-            <a:bodyPr rtlCol="0" anchor="ctr"/>
-            <a:lstStyle/>
-            <a:p>
-              <a:pPr algn="ctr"/>
-              <a:endParaRPr lang="ko-KR" altLang="en-US" sz="800" dirty="0"/>
-            </a:p>
-          </p:txBody>
-        </p:sp>
-      </p:grpSp>
-      <p:grpSp>
-        <p:nvGrpSpPr>
-          <p:cNvPr id="16" name="그룹 15">
-            <a:extLst>
-              <a:ext uri="{FF2B5EF4-FFF2-40B4-BE49-F238E27FC236}">
-                <a16:creationId xmlns:a16="http://schemas.microsoft.com/office/drawing/2014/main" id="{3A92E0DD-8F80-A75E-33A1-C3054D810731}"/>
-              </a:ext>
-            </a:extLst>
-          </p:cNvPr>
-          <p:cNvGrpSpPr/>
-          <p:nvPr/>
-        </p:nvGrpSpPr>
-        <p:grpSpPr>
-          <a:xfrm>
-            <a:off x="185458" y="6758615"/>
-            <a:ext cx="6480671" cy="3147385"/>
-            <a:chOff x="185458" y="5226205"/>
-            <a:chExt cx="6480671" cy="3147385"/>
-          </a:xfrm>
-        </p:grpSpPr>
-        <p:sp>
-          <p:nvSpPr>
-            <p:cNvPr id="13" name="TextBox 12">
-              <a:extLst>
-                <a:ext uri="{FF2B5EF4-FFF2-40B4-BE49-F238E27FC236}">
-                  <a16:creationId xmlns:a16="http://schemas.microsoft.com/office/drawing/2014/main" id="{AA1AFDAF-4071-E51D-9792-FB9AA7F84E5A}"/>
-                </a:ext>
-              </a:extLst>
-            </p:cNvPr>
-            <p:cNvSpPr txBox="1"/>
-            <p:nvPr/>
-          </p:nvSpPr>
-          <p:spPr>
-            <a:xfrm>
-              <a:off x="290620" y="5624586"/>
-              <a:ext cx="6269676" cy="2749004"/>
-            </a:xfrm>
-            <a:prstGeom prst="rect">
-              <a:avLst/>
-            </a:prstGeom>
-            <a:noFill/>
-          </p:spPr>
-          <p:txBody>
-            <a:bodyPr wrap="square" lIns="0" tIns="72000" rIns="0" bIns="72000" rtlCol="0" anchor="t">
-              <a:spAutoFit/>
-            </a:bodyPr>
-            <a:lstStyle>
-              <a:defPPr>
-                <a:defRPr lang="en-US"/>
-              </a:defPPr>
-              <a:lvl1pPr>
-                <a:lnSpc>
-                  <a:spcPct val="135000"/>
-                </a:lnSpc>
-                <a:spcAft>
-                  <a:spcPts val="800"/>
-                </a:spcAft>
-                <a:defRPr sz="1000">
-                  <a:ln>
-                    <a:solidFill>
-                      <a:schemeClr val="bg1">
-                        <a:lumMod val="75000"/>
-                        <a:alpha val="0"/>
-                      </a:schemeClr>
-                    </a:solidFill>
-                  </a:ln>
-                  <a:latin typeface="Pretendard Light" panose="02000403000000020004" pitchFamily="2" charset="-127"/>
-                  <a:ea typeface="Pretendard Light" panose="02000403000000020004" pitchFamily="2" charset="-127"/>
-                  <a:cs typeface="Pretendard Light" panose="02000403000000020004" pitchFamily="2" charset="-127"/>
-                </a:defRPr>
-              </a:lvl1pPr>
-            </a:lstStyle>
-            <a:p>
-              <a:pPr>
-                <a:lnSpc>
-                  <a:spcPct val="140000"/>
-                </a:lnSpc>
-                <a:spcAft>
-                  <a:spcPts val="1000"/>
-                </a:spcAft>
-              </a:pPr>
-              <a:r>
-                <a:rPr lang="ko-KR" altLang="en-US" dirty="0"/>
-                <a:t>제가 꿈꾸는 이상적인 기획자는 유저들이 인정하는 기획자입니다</a:t>
-              </a:r>
-              <a:r>
-                <a:rPr lang="en-US" altLang="ko-KR" dirty="0"/>
-                <a:t>. ‘</a:t>
-              </a:r>
-              <a:r>
-                <a:rPr lang="ko-KR" altLang="en-US" dirty="0"/>
-                <a:t>이 사람이 기획한 게임이면 재미있겠네’</a:t>
-              </a:r>
-              <a:r>
-                <a:rPr lang="en-US" altLang="ko-KR" dirty="0"/>
-                <a:t>, ‘</a:t>
-              </a:r>
-              <a:r>
-                <a:rPr lang="ko-KR" altLang="en-US" dirty="0"/>
-                <a:t>이 사람의 이런 점이 내가 선호하는 스타일이야</a:t>
-              </a:r>
-              <a:r>
-                <a:rPr lang="en-US" altLang="ko-KR" dirty="0"/>
-                <a:t>.’</a:t>
-              </a:r>
-              <a:r>
-                <a:rPr lang="ko-KR" altLang="en-US" dirty="0"/>
-                <a:t>처럼 유저들에게 신뢰를 바탕으로 재미를 선사하는 기획자가 되겠습니다</a:t>
-              </a:r>
-              <a:r>
-                <a:rPr lang="en-US" altLang="ko-KR" dirty="0"/>
-                <a:t>. </a:t>
-              </a:r>
-              <a:r>
-                <a:rPr lang="ko-KR" altLang="en-US" dirty="0"/>
-                <a:t>이를 위해 다음과 같은 목표를 가지고 노력하겠습니다</a:t>
-              </a:r>
-              <a:r>
-                <a:rPr lang="en-US" altLang="ko-KR" dirty="0"/>
-                <a:t>. </a:t>
-              </a:r>
-            </a:p>
-            <a:p>
-              <a:pPr>
-                <a:lnSpc>
-                  <a:spcPct val="140000"/>
-                </a:lnSpc>
-                <a:spcAft>
-                  <a:spcPts val="1000"/>
-                </a:spcAft>
-              </a:pPr>
-              <a:r>
-                <a:rPr lang="ko-KR" altLang="en-US" dirty="0">
-                  <a:latin typeface="Pretendard" panose="02000503000000020004" pitchFamily="2" charset="-127"/>
-                  <a:ea typeface="Pretendard" panose="02000503000000020004" pitchFamily="2" charset="-127"/>
-                  <a:cs typeface="Pretendard" panose="02000503000000020004" pitchFamily="2" charset="-127"/>
-                </a:rPr>
-                <a:t>첫째</a:t>
-              </a:r>
-              <a:r>
-                <a:rPr lang="en-US" altLang="ko-KR" dirty="0">
-                  <a:latin typeface="Pretendard" panose="02000503000000020004" pitchFamily="2" charset="-127"/>
-                  <a:ea typeface="Pretendard" panose="02000503000000020004" pitchFamily="2" charset="-127"/>
-                  <a:cs typeface="Pretendard" panose="02000503000000020004" pitchFamily="2" charset="-127"/>
-                </a:rPr>
-                <a:t>, </a:t>
-              </a:r>
-              <a:r>
-                <a:rPr lang="ko-KR" altLang="en-US" dirty="0">
-                  <a:latin typeface="Pretendard" panose="02000503000000020004" pitchFamily="2" charset="-127"/>
-                  <a:ea typeface="Pretendard" panose="02000503000000020004" pitchFamily="2" charset="-127"/>
-                  <a:cs typeface="Pretendard" panose="02000503000000020004" pitchFamily="2" charset="-127"/>
-                </a:rPr>
-                <a:t>이유를 설명할 줄 아는 기획자가 되겠습니다</a:t>
-              </a:r>
-              <a:r>
-                <a:rPr lang="en-US" altLang="ko-KR" dirty="0">
-                  <a:latin typeface="Pretendard" panose="02000503000000020004" pitchFamily="2" charset="-127"/>
-                  <a:ea typeface="Pretendard" panose="02000503000000020004" pitchFamily="2" charset="-127"/>
-                  <a:cs typeface="Pretendard" panose="02000503000000020004" pitchFamily="2" charset="-127"/>
-                </a:rPr>
-                <a:t>. </a:t>
-              </a:r>
-              <a:r>
-                <a:rPr lang="ko-KR" altLang="en-US" dirty="0"/>
-                <a:t>기획서를 작성하고 기획에 대해 공부하면서 저의 생각을 명확하게 전달하려면 기획 의도를 설정하는 것이 중요하다는 점을 알게 되었습니다</a:t>
-              </a:r>
-              <a:r>
-                <a:rPr lang="en-US" altLang="ko-KR" dirty="0"/>
-                <a:t>. </a:t>
-              </a:r>
-              <a:r>
-                <a:rPr lang="ko-KR" altLang="en-US" dirty="0"/>
-                <a:t>아직은 그 역량을 더 </a:t>
-              </a:r>
-              <a:r>
-                <a:rPr lang="ko-KR" altLang="en-US" dirty="0" err="1"/>
-                <a:t>키워나가야</a:t>
-              </a:r>
-              <a:r>
-                <a:rPr lang="ko-KR" altLang="en-US" dirty="0"/>
-                <a:t> 한다고 생각하며</a:t>
-              </a:r>
-              <a:r>
-                <a:rPr lang="en-US" altLang="ko-KR" dirty="0"/>
-                <a:t>, ‘</a:t>
-              </a:r>
-              <a:r>
-                <a:rPr lang="ko-KR" altLang="en-US" dirty="0"/>
-                <a:t>왜 이렇게 기획했을까</a:t>
-              </a:r>
-              <a:r>
-                <a:rPr lang="en-US" altLang="ko-KR" dirty="0"/>
-                <a:t>?’</a:t>
-              </a:r>
-              <a:r>
-                <a:rPr lang="ko-KR" altLang="en-US" dirty="0"/>
-                <a:t>라는 질문을 통해 다른 사람의 기획 의도를 파악해 보는 역량을 기르고 있습니다</a:t>
-              </a:r>
-              <a:r>
-                <a:rPr lang="en-US" altLang="ko-KR" dirty="0"/>
-                <a:t>. </a:t>
-              </a:r>
-              <a:r>
-                <a:rPr lang="ko-KR" altLang="en-US" dirty="0"/>
-                <a:t>이러한 사고가 자연스럽게 이루어질 때 설득력 있는 기획이 이루어지고 프로젝트의 성공에 기여할 수 있다고 생각합니다</a:t>
-              </a:r>
-              <a:r>
-                <a:rPr lang="en-US" altLang="ko-KR" dirty="0"/>
-                <a:t>. </a:t>
-              </a:r>
-            </a:p>
-            <a:p>
-              <a:pPr>
-                <a:lnSpc>
-                  <a:spcPct val="140000"/>
-                </a:lnSpc>
-                <a:spcAft>
-                  <a:spcPts val="1000"/>
-                </a:spcAft>
-              </a:pPr>
-              <a:r>
-                <a:rPr lang="ko-KR" altLang="en-US" dirty="0">
-                  <a:latin typeface="Pretendard" panose="02000503000000020004" pitchFamily="2" charset="-127"/>
-                  <a:ea typeface="Pretendard" panose="02000503000000020004" pitchFamily="2" charset="-127"/>
-                  <a:cs typeface="Pretendard" panose="02000503000000020004" pitchFamily="2" charset="-127"/>
-                </a:rPr>
-                <a:t>둘째</a:t>
-              </a:r>
-              <a:r>
-                <a:rPr lang="en-US" altLang="ko-KR" dirty="0">
-                  <a:latin typeface="Pretendard" panose="02000503000000020004" pitchFamily="2" charset="-127"/>
-                  <a:ea typeface="Pretendard" panose="02000503000000020004" pitchFamily="2" charset="-127"/>
-                  <a:cs typeface="Pretendard" panose="02000503000000020004" pitchFamily="2" charset="-127"/>
-                </a:rPr>
-                <a:t>, </a:t>
-              </a:r>
-              <a:r>
-                <a:rPr lang="ko-KR" altLang="en-US" dirty="0">
-                  <a:latin typeface="Pretendard" panose="02000503000000020004" pitchFamily="2" charset="-127"/>
-                  <a:ea typeface="Pretendard" panose="02000503000000020004" pitchFamily="2" charset="-127"/>
-                  <a:cs typeface="Pretendard" panose="02000503000000020004" pitchFamily="2" charset="-127"/>
-                </a:rPr>
-                <a:t>가장 먼저 동료들에게 신뢰를 주는 기획자가 되겠습니다</a:t>
-              </a:r>
-              <a:r>
-                <a:rPr lang="en-US" altLang="ko-KR" dirty="0">
-                  <a:latin typeface="Pretendard" panose="02000503000000020004" pitchFamily="2" charset="-127"/>
-                  <a:ea typeface="Pretendard" panose="02000503000000020004" pitchFamily="2" charset="-127"/>
-                  <a:cs typeface="Pretendard" panose="02000503000000020004" pitchFamily="2" charset="-127"/>
-                </a:rPr>
-                <a:t>. </a:t>
-              </a:r>
-              <a:r>
-                <a:rPr lang="ko-KR" altLang="en-US" dirty="0"/>
-                <a:t>신뢰받는 기획자는 게임 개발의 중심에서 개발의 방향을 잡아주어 동료들의 업무 효율을 높일 수 있습니다</a:t>
-              </a:r>
-              <a:r>
-                <a:rPr lang="en-US" altLang="ko-KR" dirty="0"/>
-                <a:t>. </a:t>
-              </a:r>
-              <a:r>
-                <a:rPr lang="ko-KR" altLang="en-US" dirty="0"/>
-                <a:t>또한 기획에 대한 신뢰도도 올라갈 것입니다</a:t>
-              </a:r>
-              <a:r>
-                <a:rPr lang="en-US" altLang="ko-KR" dirty="0"/>
-                <a:t>. </a:t>
-              </a:r>
-              <a:r>
-                <a:rPr lang="ko-KR" altLang="en-US" dirty="0"/>
-                <a:t>저는 개발의 중심에서 동료분들과 함께 기획한 내용이 현실화되고 더 나은 결과물로 이어질 때 높은 성취감과 소속감을 얻습니다</a:t>
-              </a:r>
-              <a:r>
-                <a:rPr lang="en-US" altLang="ko-KR" dirty="0"/>
-                <a:t>. </a:t>
-              </a:r>
-              <a:r>
-                <a:rPr lang="ko-KR" altLang="en-US" dirty="0"/>
-                <a:t>그래서 먼저 동료들에게 신뢰를 주는 기획자가 되어 프로젝트를 성공적으로 이끌고 유저들에게도 신뢰를 줄 수 있는 기획자가 되도록 노력하겠습니다</a:t>
-              </a:r>
-              <a:r>
-                <a:rPr lang="en-US" altLang="ko-KR" dirty="0"/>
-                <a:t>.</a:t>
-              </a:r>
-            </a:p>
-          </p:txBody>
-        </p:sp>
-        <p:sp>
-          <p:nvSpPr>
-            <p:cNvPr id="14" name="직사각형 13">
-              <a:extLst>
-                <a:ext uri="{FF2B5EF4-FFF2-40B4-BE49-F238E27FC236}">
-                  <a16:creationId xmlns:a16="http://schemas.microsoft.com/office/drawing/2014/main" id="{EBA03491-5BDF-3AD4-23E4-945314FC6DE4}"/>
-                </a:ext>
-              </a:extLst>
-            </p:cNvPr>
-            <p:cNvSpPr/>
-            <p:nvPr/>
-          </p:nvSpPr>
-          <p:spPr>
-            <a:xfrm>
-              <a:off x="185458" y="5226205"/>
-              <a:ext cx="6480671" cy="398381"/>
-            </a:xfrm>
-            <a:prstGeom prst="rect">
-              <a:avLst/>
-            </a:prstGeom>
-            <a:solidFill>
-              <a:srgbClr val="E1F2FF"/>
-            </a:solidFill>
-            <a:ln>
-              <a:noFill/>
-            </a:ln>
-            <a:effectLst/>
-          </p:spPr>
-          <p:style>
-            <a:lnRef idx="2">
-              <a:schemeClr val="accent1">
-                <a:shade val="15000"/>
-              </a:schemeClr>
-            </a:lnRef>
-            <a:fillRef idx="1">
-              <a:schemeClr val="accent1"/>
-            </a:fillRef>
-            <a:effectRef idx="0">
-              <a:schemeClr val="accent1"/>
-            </a:effectRef>
-            <a:fontRef idx="minor">
-              <a:schemeClr val="lt1"/>
-            </a:fontRef>
-          </p:style>
-          <p:txBody>
-            <a:bodyPr rtlCol="0" anchor="ctr"/>
-            <a:lstStyle/>
-            <a:p>
-              <a:pPr algn="ctr"/>
-              <a:endParaRPr lang="ko-KR" altLang="en-US" sz="900"/>
-            </a:p>
-          </p:txBody>
-        </p:sp>
-        <p:sp>
-          <p:nvSpPr>
-            <p:cNvPr id="15" name="TextBox 14">
-              <a:extLst>
-                <a:ext uri="{FF2B5EF4-FFF2-40B4-BE49-F238E27FC236}">
-                  <a16:creationId xmlns:a16="http://schemas.microsoft.com/office/drawing/2014/main" id="{50166BBC-CFC9-A68C-C8CB-387D45E4CA80}"/>
-                </a:ext>
-              </a:extLst>
-            </p:cNvPr>
-            <p:cNvSpPr txBox="1"/>
-            <p:nvPr/>
-          </p:nvSpPr>
-          <p:spPr>
-            <a:xfrm>
-              <a:off x="290620" y="5340757"/>
-              <a:ext cx="678071" cy="169277"/>
-            </a:xfrm>
-            <a:prstGeom prst="rect">
-              <a:avLst/>
-            </a:prstGeom>
-            <a:noFill/>
-          </p:spPr>
-          <p:txBody>
-            <a:bodyPr wrap="none" lIns="0" tIns="0" rIns="0" bIns="0" rtlCol="0" anchor="t">
-              <a:spAutoFit/>
-            </a:bodyPr>
-            <a:lstStyle/>
-            <a:p>
-              <a:r>
-                <a:rPr lang="ko-KR" altLang="en-US" sz="1100" dirty="0">
-                  <a:latin typeface="페이퍼로지 7 Bold" pitchFamily="2" charset="-127"/>
-                  <a:ea typeface="페이퍼로지 7 Bold" pitchFamily="2" charset="-127"/>
-                  <a:cs typeface="Pretendard Medium" panose="02000603000000020004" pitchFamily="2" charset="-127"/>
-                </a:rPr>
-                <a:t>입사 후 포부</a:t>
-              </a:r>
-            </a:p>
-          </p:txBody>
-        </p:sp>
-        <p:cxnSp>
-          <p:nvCxnSpPr>
-            <p:cNvPr id="18" name="직선 연결선 17">
-              <a:extLst>
-                <a:ext uri="{FF2B5EF4-FFF2-40B4-BE49-F238E27FC236}">
-                  <a16:creationId xmlns:a16="http://schemas.microsoft.com/office/drawing/2014/main" id="{D9CEB99C-FDA5-029C-3F06-04E4675A9D40}"/>
-                </a:ext>
-              </a:extLst>
-            </p:cNvPr>
-            <p:cNvCxnSpPr>
-              <a:cxnSpLocks/>
-            </p:cNvCxnSpPr>
-            <p:nvPr/>
-          </p:nvCxnSpPr>
-          <p:spPr>
-            <a:xfrm>
-              <a:off x="185459" y="5624586"/>
-              <a:ext cx="6480000" cy="0"/>
-            </a:xfrm>
-            <a:prstGeom prst="line">
-              <a:avLst/>
-            </a:prstGeom>
-            <a:ln w="9525">
-              <a:solidFill>
-                <a:schemeClr val="bg1">
-                  <a:lumMod val="75000"/>
-                </a:schemeClr>
-              </a:solidFill>
-            </a:ln>
-          </p:spPr>
-          <p:style>
-            <a:lnRef idx="2">
-              <a:schemeClr val="accent1"/>
-            </a:lnRef>
-            <a:fillRef idx="0">
-              <a:schemeClr val="accent1"/>
-            </a:fillRef>
-            <a:effectRef idx="1">
-              <a:schemeClr val="accent1"/>
-            </a:effectRef>
-            <a:fontRef idx="minor">
-              <a:schemeClr val="tx1"/>
-            </a:fontRef>
-          </p:style>
-        </p:cxnSp>
-        <p:sp>
-          <p:nvSpPr>
-            <p:cNvPr id="19" name="직사각형 18">
-              <a:extLst>
-                <a:ext uri="{FF2B5EF4-FFF2-40B4-BE49-F238E27FC236}">
-                  <a16:creationId xmlns:a16="http://schemas.microsoft.com/office/drawing/2014/main" id="{C4FFACF3-A1FC-EBA2-24EE-694E7510C08C}"/>
-                </a:ext>
-              </a:extLst>
-            </p:cNvPr>
-            <p:cNvSpPr/>
-            <p:nvPr/>
-          </p:nvSpPr>
-          <p:spPr>
-            <a:xfrm>
-              <a:off x="185458" y="5226205"/>
-              <a:ext cx="6480000" cy="3147383"/>
-            </a:xfrm>
-            <a:prstGeom prst="rect">
-              <a:avLst/>
-            </a:prstGeom>
-            <a:noFill/>
-            <a:ln w="12700">
-              <a:solidFill>
-                <a:schemeClr val="bg1">
-                  <a:lumMod val="75000"/>
-                </a:schemeClr>
-              </a:solidFill>
-            </a:ln>
-            <a:effectLst/>
-          </p:spPr>
-          <p:style>
-            <a:lnRef idx="2">
-              <a:schemeClr val="accent1">
-                <a:shade val="15000"/>
-              </a:schemeClr>
-            </a:lnRef>
-            <a:fillRef idx="1">
-              <a:schemeClr val="accent1"/>
-            </a:fillRef>
-            <a:effectRef idx="0">
-              <a:schemeClr val="accent1"/>
-            </a:effectRef>
-            <a:fontRef idx="minor">
-              <a:schemeClr val="lt1"/>
-            </a:fontRef>
-          </p:style>
-          <p:txBody>
-            <a:bodyPr rtlCol="0" anchor="ctr"/>
-            <a:lstStyle/>
-            <a:p>
-              <a:pPr algn="ctr"/>
-              <a:endParaRPr lang="ko-KR" altLang="en-US" sz="800" dirty="0"/>
-            </a:p>
-          </p:txBody>
-        </p:sp>
-      </p:grpSp>
-    </p:spTree>
-    <p:extLst>
-      <p:ext uri="{BB962C8B-B14F-4D97-AF65-F5344CB8AC3E}">
-        <p14:creationId xmlns:p14="http://schemas.microsoft.com/office/powerpoint/2010/main" val="1679980632"/>
-      </p:ext>
-    </p:extLst>
-  </p:cSld>
-  <p:clrMapOvr>
-    <a:masterClrMapping/>
-  </p:clrMapOvr>
-</p:sld>
-</file>
-
-<file path=ppt/slides/slide6.xml><?xml version="1.0" encoding="utf-8"?>
 <p:sld xmlns:a="http://schemas.openxmlformats.org/drawingml/2006/main" xmlns:r="http://schemas.openxmlformats.org/officeDocument/2006/relationships" xmlns:p="http://schemas.openxmlformats.org/presentationml/2006/main">
   <p:cSld>
     <p:spTree>
@@ -30698,10 +29639,10 @@
       </p:grpSpPr>
       <p:grpSp>
         <p:nvGrpSpPr>
-          <p:cNvPr id="17" name="그룹 16">
+          <p:cNvPr id="22" name="그룹 21">
             <a:extLst>
               <a:ext uri="{FF2B5EF4-FFF2-40B4-BE49-F238E27FC236}">
-                <a16:creationId xmlns:a16="http://schemas.microsoft.com/office/drawing/2014/main" id="{1899985B-9609-CDE3-0055-FD4C875C3724}"/>
+                <a16:creationId xmlns:a16="http://schemas.microsoft.com/office/drawing/2014/main" id="{A66BB5F5-81F1-ECEE-82D5-16ED375D429B}"/>
               </a:ext>
             </a:extLst>
           </p:cNvPr>
@@ -30710,1185 +29651,1170 @@
         </p:nvGrpSpPr>
         <p:grpSpPr>
           <a:xfrm>
-            <a:off x="188665" y="679339"/>
-            <a:ext cx="6480671" cy="5686543"/>
-            <a:chOff x="185458" y="344488"/>
-            <a:chExt cx="6480671" cy="5686543"/>
+            <a:off x="185458" y="641200"/>
+            <a:ext cx="6483878" cy="8623601"/>
+            <a:chOff x="185458" y="679340"/>
+            <a:chExt cx="6483878" cy="8623601"/>
           </a:xfrm>
         </p:grpSpPr>
-        <p:sp>
-          <p:nvSpPr>
-            <p:cNvPr id="2" name="TextBox 1">
+        <p:grpSp>
+          <p:nvGrpSpPr>
+            <p:cNvPr id="17" name="그룹 16">
               <a:extLst>
                 <a:ext uri="{FF2B5EF4-FFF2-40B4-BE49-F238E27FC236}">
-                  <a16:creationId xmlns:a16="http://schemas.microsoft.com/office/drawing/2014/main" id="{266766D4-0EAD-6028-5A7A-774DD12A4B90}"/>
+                  <a16:creationId xmlns:a16="http://schemas.microsoft.com/office/drawing/2014/main" id="{1899985B-9609-CDE3-0055-FD4C875C3724}"/>
                 </a:ext>
               </a:extLst>
             </p:cNvPr>
-            <p:cNvSpPr txBox="1"/>
+            <p:cNvGrpSpPr/>
             <p:nvPr/>
-          </p:nvSpPr>
-          <p:spPr>
+          </p:nvGrpSpPr>
+          <p:grpSpPr>
             <a:xfrm>
-              <a:off x="290620" y="742870"/>
-              <a:ext cx="6269676" cy="5288161"/>
+              <a:off x="188665" y="679340"/>
+              <a:ext cx="6480671" cy="4568288"/>
+              <a:chOff x="185458" y="344489"/>
+              <a:chExt cx="6480671" cy="4568288"/>
             </a:xfrm>
-            <a:prstGeom prst="rect">
-              <a:avLst/>
-            </a:prstGeom>
-            <a:solidFill>
-              <a:schemeClr val="bg1"/>
-            </a:solidFill>
-          </p:spPr>
-          <p:txBody>
-            <a:bodyPr wrap="square" lIns="0" tIns="72000" rIns="0" bIns="72000" rtlCol="0" anchor="t">
-              <a:spAutoFit/>
-            </a:bodyPr>
-            <a:lstStyle>
-              <a:defPPr>
-                <a:defRPr lang="en-US"/>
-              </a:defPPr>
-              <a:lvl1pPr>
-                <a:lnSpc>
-                  <a:spcPct val="135000"/>
-                </a:lnSpc>
-                <a:spcAft>
-                  <a:spcPts val="800"/>
-                </a:spcAft>
-                <a:defRPr sz="1000">
-                  <a:ln>
-                    <a:solidFill>
-                      <a:schemeClr val="bg1">
-                        <a:lumMod val="75000"/>
-                        <a:alpha val="0"/>
-                      </a:schemeClr>
-                    </a:solidFill>
-                  </a:ln>
-                  <a:latin typeface="Pretendard Light" panose="02000403000000020004" pitchFamily="2" charset="-127"/>
-                  <a:ea typeface="Pretendard Light" panose="02000403000000020004" pitchFamily="2" charset="-127"/>
-                  <a:cs typeface="Pretendard Light" panose="02000403000000020004" pitchFamily="2" charset="-127"/>
-                </a:defRPr>
-              </a:lvl1pPr>
-            </a:lstStyle>
-            <a:p>
-              <a:pPr>
-                <a:lnSpc>
-                  <a:spcPct val="140000"/>
-                </a:lnSpc>
-                <a:spcAft>
-                  <a:spcPts val="1000"/>
-                </a:spcAft>
-              </a:pPr>
-              <a:r>
-                <a:rPr lang="ko-KR" altLang="en-US" dirty="0"/>
-                <a:t>저는 다음과 같은 두 가지 장점이 있습니다</a:t>
-              </a:r>
-              <a:r>
-                <a:rPr lang="en-US" altLang="ko-KR" dirty="0"/>
-                <a:t>. </a:t>
-              </a:r>
-            </a:p>
-            <a:p>
-              <a:pPr>
-                <a:lnSpc>
-                  <a:spcPct val="140000"/>
-                </a:lnSpc>
-                <a:spcAft>
-                  <a:spcPts val="1000"/>
-                </a:spcAft>
-              </a:pPr>
-              <a:r>
-                <a:rPr lang="ko-KR" altLang="en-US" dirty="0">
-                  <a:latin typeface="Pretendard Medium" panose="02000603000000020004" pitchFamily="2" charset="-127"/>
-                  <a:ea typeface="Pretendard Medium" panose="02000603000000020004" pitchFamily="2" charset="-127"/>
-                  <a:cs typeface="Pretendard Medium" panose="02000603000000020004" pitchFamily="2" charset="-127"/>
-                </a:rPr>
-                <a:t>첫째</a:t>
-              </a:r>
-              <a:r>
-                <a:rPr lang="en-US" altLang="ko-KR" dirty="0">
-                  <a:latin typeface="Pretendard Medium" panose="02000603000000020004" pitchFamily="2" charset="-127"/>
-                  <a:ea typeface="Pretendard Medium" panose="02000603000000020004" pitchFamily="2" charset="-127"/>
-                  <a:cs typeface="Pretendard Medium" panose="02000603000000020004" pitchFamily="2" charset="-127"/>
-                </a:rPr>
-                <a:t>, </a:t>
-              </a:r>
-              <a:r>
-                <a:rPr lang="ko-KR" altLang="en-US" dirty="0">
-                  <a:latin typeface="Pretendard Medium" panose="02000603000000020004" pitchFamily="2" charset="-127"/>
-                  <a:ea typeface="Pretendard Medium" panose="02000603000000020004" pitchFamily="2" charset="-127"/>
-                  <a:cs typeface="Pretendard Medium" panose="02000603000000020004" pitchFamily="2" charset="-127"/>
-                </a:rPr>
-                <a:t>논리적인 사고로 상황을 분석한 후 결론을 도출합니다</a:t>
-              </a:r>
-              <a:r>
-                <a:rPr lang="en-US" altLang="ko-KR" dirty="0">
-                  <a:latin typeface="Pretendard Medium" panose="02000603000000020004" pitchFamily="2" charset="-127"/>
-                  <a:ea typeface="Pretendard Medium" panose="02000603000000020004" pitchFamily="2" charset="-127"/>
-                  <a:cs typeface="Pretendard Medium" panose="02000603000000020004" pitchFamily="2" charset="-127"/>
-                </a:rPr>
-                <a:t>. </a:t>
-              </a:r>
-              <a:br>
-                <a:rPr lang="en-US" altLang="ko-KR" dirty="0"/>
-              </a:br>
-              <a:r>
-                <a:rPr lang="ko-KR" altLang="en-US" dirty="0"/>
-                <a:t>저는 불확실한 상황에서 논리적인 사고의 흐름으로 결론을 낼 수 있을 때 안정감을 느끼고 자신감을 얻게 됩니다</a:t>
-              </a:r>
-              <a:r>
-                <a:rPr lang="en-US" altLang="ko-KR" dirty="0"/>
-                <a:t>. </a:t>
-              </a:r>
-              <a:r>
-                <a:rPr lang="ko-KR" altLang="en-US" dirty="0"/>
-                <a:t>기획 업무에서도 이런 성격을 활용합니다</a:t>
-              </a:r>
-              <a:r>
-                <a:rPr lang="en-US" altLang="ko-KR" dirty="0"/>
-                <a:t>. </a:t>
-              </a:r>
-              <a:r>
-                <a:rPr lang="ko-KR" altLang="en-US" dirty="0"/>
-                <a:t>예를 들어</a:t>
-              </a:r>
-              <a:r>
-                <a:rPr lang="en-US" altLang="ko-KR" dirty="0"/>
-                <a:t>, </a:t>
-              </a:r>
-              <a:r>
-                <a:rPr lang="ko-KR" altLang="en-US" dirty="0"/>
-                <a:t>신규 캐릭터를 기획할 때 기존 캐릭터들의 컨셉을 분석해서 세계관에 어울리는 컨셉을 설정하고 이를 바탕으로 전투를 기획하기도 합니다</a:t>
-              </a:r>
-              <a:r>
-                <a:rPr lang="en-US" altLang="ko-KR" dirty="0"/>
-                <a:t>. </a:t>
-              </a:r>
-              <a:r>
-                <a:rPr lang="ko-KR" altLang="en-US" dirty="0"/>
-                <a:t>때로는 캐릭터가 사용하는 무기를 분석해서 활용할 수 있는 구조가 있다면 적극적으로 반영하기도 합니다</a:t>
-              </a:r>
-              <a:r>
-                <a:rPr lang="en-US" altLang="ko-KR" dirty="0"/>
-                <a:t>. </a:t>
-              </a:r>
-            </a:p>
-            <a:p>
-              <a:pPr>
-                <a:lnSpc>
-                  <a:spcPct val="140000"/>
-                </a:lnSpc>
-                <a:spcAft>
-                  <a:spcPts val="1000"/>
-                </a:spcAft>
-              </a:pPr>
-              <a:r>
-                <a:rPr lang="ko-KR" altLang="en-US" dirty="0">
-                  <a:latin typeface="Pretendard Medium" panose="02000603000000020004" pitchFamily="2" charset="-127"/>
-                  <a:ea typeface="Pretendard Medium" panose="02000603000000020004" pitchFamily="2" charset="-127"/>
-                  <a:cs typeface="Pretendard Medium" panose="02000603000000020004" pitchFamily="2" charset="-127"/>
-                </a:rPr>
-                <a:t>둘째</a:t>
-              </a:r>
-              <a:r>
-                <a:rPr lang="en-US" altLang="ko-KR" dirty="0">
-                  <a:latin typeface="Pretendard Medium" panose="02000603000000020004" pitchFamily="2" charset="-127"/>
-                  <a:ea typeface="Pretendard Medium" panose="02000603000000020004" pitchFamily="2" charset="-127"/>
-                  <a:cs typeface="Pretendard Medium" panose="02000603000000020004" pitchFamily="2" charset="-127"/>
-                </a:rPr>
-                <a:t>, </a:t>
-              </a:r>
-              <a:r>
-                <a:rPr lang="ko-KR" altLang="en-US" dirty="0">
-                  <a:latin typeface="Pretendard Medium" panose="02000603000000020004" pitchFamily="2" charset="-127"/>
-                  <a:ea typeface="Pretendard Medium" panose="02000603000000020004" pitchFamily="2" charset="-127"/>
-                  <a:cs typeface="Pretendard Medium" panose="02000603000000020004" pitchFamily="2" charset="-127"/>
-                </a:rPr>
-                <a:t>제가 생각한 이상적인 결과를 위해 끝까지 파고듭니다</a:t>
-              </a:r>
-              <a:r>
-                <a:rPr lang="en-US" altLang="ko-KR" dirty="0">
-                  <a:latin typeface="Pretendard Medium" panose="02000603000000020004" pitchFamily="2" charset="-127"/>
-                  <a:ea typeface="Pretendard Medium" panose="02000603000000020004" pitchFamily="2" charset="-127"/>
-                  <a:cs typeface="Pretendard Medium" panose="02000603000000020004" pitchFamily="2" charset="-127"/>
-                </a:rPr>
-                <a:t>. </a:t>
-              </a:r>
-              <a:br>
-                <a:rPr lang="en-US" altLang="ko-KR" dirty="0">
-                  <a:latin typeface="Pretendard" panose="02000503000000020004" pitchFamily="2" charset="-127"/>
-                  <a:ea typeface="Pretendard" panose="02000503000000020004" pitchFamily="2" charset="-127"/>
-                  <a:cs typeface="Pretendard" panose="02000503000000020004" pitchFamily="2" charset="-127"/>
-                </a:rPr>
-              </a:br>
-              <a:r>
-                <a:rPr lang="ko-KR" altLang="en-US" dirty="0"/>
-                <a:t>저는 어떤 일을 할 때 </a:t>
-              </a:r>
-              <a:r>
-                <a:rPr lang="en-US" altLang="ko-KR" dirty="0"/>
-                <a:t>‘</a:t>
-              </a:r>
-              <a:r>
-                <a:rPr lang="ko-KR" altLang="en-US" dirty="0"/>
-                <a:t>이것보다 더 나은 방법은 없나</a:t>
-              </a:r>
-              <a:r>
-                <a:rPr lang="en-US" altLang="ko-KR" dirty="0"/>
-                <a:t>?’ / ‘</a:t>
-              </a:r>
-              <a:r>
-                <a:rPr lang="ko-KR" altLang="en-US" dirty="0"/>
-                <a:t>이건 왜 이렇게 되지</a:t>
-              </a:r>
-              <a:r>
-                <a:rPr lang="en-US" altLang="ko-KR" dirty="0"/>
-                <a:t>?’ </a:t>
-              </a:r>
-              <a:r>
-                <a:rPr lang="ko-KR" altLang="en-US" dirty="0"/>
-                <a:t>라는 의문을 스스로에게 던지고 이에 대한 답을 찾기 위해 끝까지 파고 드는 성향이 있습니다</a:t>
-              </a:r>
-              <a:r>
-                <a:rPr lang="en-US" altLang="ko-KR" dirty="0"/>
-                <a:t>. </a:t>
-              </a:r>
-              <a:r>
-                <a:rPr lang="ko-KR" altLang="en-US" dirty="0"/>
-                <a:t>대학교를 다닐 때</a:t>
-              </a:r>
-              <a:r>
-                <a:rPr lang="en-US" altLang="ko-KR" dirty="0"/>
-                <a:t>, </a:t>
-              </a:r>
-              <a:r>
-                <a:rPr lang="ko-KR" altLang="en-US" dirty="0"/>
-                <a:t>프로그래밍 과제를 하면서 오류가 발생한 코드를 우연히 해결한 적이 있습니다</a:t>
-              </a:r>
-              <a:r>
-                <a:rPr lang="en-US" altLang="ko-KR" dirty="0"/>
-                <a:t>. </a:t>
-              </a:r>
-              <a:r>
-                <a:rPr lang="ko-KR" altLang="en-US" dirty="0"/>
-                <a:t>이때 왜 오류가 사라졌는지 완벽하게 이해하고 싶어서 밤새도록 교재를 찾거나 인터넷 검색을 하며 많은 시간을 쓴 적이 있습니다</a:t>
-              </a:r>
-              <a:r>
-                <a:rPr lang="en-US" altLang="ko-KR" dirty="0"/>
-                <a:t>. </a:t>
-              </a:r>
-              <a:r>
-                <a:rPr lang="ko-KR" altLang="en-US" dirty="0"/>
-                <a:t>게임을 할 때에도 난이도가 높은 몬스터에게 끝까지 도전합니다</a:t>
-              </a:r>
-              <a:r>
-                <a:rPr lang="en-US" altLang="ko-KR" dirty="0"/>
-                <a:t>. </a:t>
-              </a:r>
-              <a:r>
-                <a:rPr lang="ko-KR" altLang="en-US" dirty="0"/>
-                <a:t>그 과정에서 점차 숙련도가 증가하며</a:t>
-              </a:r>
-              <a:r>
-                <a:rPr lang="en-US" altLang="ko-KR" dirty="0"/>
-                <a:t>, </a:t>
-              </a:r>
-              <a:r>
-                <a:rPr lang="ko-KR" altLang="en-US" dirty="0"/>
-                <a:t>원하는 방향으로 전투를 이끌어 나갈 때 더 큰 성취감과 짜릿함을 얻게 됩니다</a:t>
-              </a:r>
-              <a:r>
-                <a:rPr lang="en-US" altLang="ko-KR" dirty="0"/>
-                <a:t>. </a:t>
-              </a:r>
-            </a:p>
-            <a:p>
-              <a:pPr>
-                <a:lnSpc>
-                  <a:spcPct val="140000"/>
-                </a:lnSpc>
-                <a:spcAft>
-                  <a:spcPts val="1000"/>
-                </a:spcAft>
-              </a:pPr>
-              <a:r>
-                <a:rPr lang="ko-KR" altLang="en-US" dirty="0">
-                  <a:latin typeface="Pretendard Medium" panose="02000603000000020004" pitchFamily="2" charset="-127"/>
-                  <a:ea typeface="Pretendard Medium" panose="02000603000000020004" pitchFamily="2" charset="-127"/>
-                  <a:cs typeface="Pretendard Medium" panose="02000603000000020004" pitchFamily="2" charset="-127"/>
-                </a:rPr>
-                <a:t>반면</a:t>
-              </a:r>
-              <a:r>
-                <a:rPr lang="en-US" altLang="ko-KR" dirty="0">
-                  <a:latin typeface="Pretendard Medium" panose="02000603000000020004" pitchFamily="2" charset="-127"/>
-                  <a:ea typeface="Pretendard Medium" panose="02000603000000020004" pitchFamily="2" charset="-127"/>
-                  <a:cs typeface="Pretendard Medium" panose="02000603000000020004" pitchFamily="2" charset="-127"/>
-                </a:rPr>
-                <a:t>, </a:t>
-              </a:r>
-              <a:r>
-                <a:rPr lang="ko-KR" altLang="en-US" dirty="0">
-                  <a:latin typeface="Pretendard Medium" panose="02000603000000020004" pitchFamily="2" charset="-127"/>
-                  <a:ea typeface="Pretendard Medium" panose="02000603000000020004" pitchFamily="2" charset="-127"/>
-                  <a:cs typeface="Pretendard Medium" panose="02000603000000020004" pitchFamily="2" charset="-127"/>
-                </a:rPr>
-                <a:t>타인과 협력 과정에서</a:t>
-              </a:r>
-              <a:r>
-                <a:rPr lang="en-US" altLang="ko-KR" dirty="0">
-                  <a:latin typeface="Pretendard Medium" panose="02000603000000020004" pitchFamily="2" charset="-127"/>
-                  <a:ea typeface="Pretendard Medium" panose="02000603000000020004" pitchFamily="2" charset="-127"/>
-                  <a:cs typeface="Pretendard Medium" panose="02000603000000020004" pitchFamily="2" charset="-127"/>
-                </a:rPr>
-                <a:t> </a:t>
-              </a:r>
-              <a:r>
-                <a:rPr lang="ko-KR" altLang="en-US" dirty="0">
-                  <a:latin typeface="Pretendard Medium" panose="02000603000000020004" pitchFamily="2" charset="-127"/>
-                  <a:ea typeface="Pretendard Medium" panose="02000603000000020004" pitchFamily="2" charset="-127"/>
-                  <a:cs typeface="Pretendard Medium" panose="02000603000000020004" pitchFamily="2" charset="-127"/>
-                </a:rPr>
-                <a:t>의견충돌이 없어야 원활한 의사소통이 된다고 생각해 왔습니다</a:t>
-              </a:r>
-              <a:r>
-                <a:rPr lang="en-US" altLang="ko-KR" dirty="0">
-                  <a:latin typeface="Pretendard Medium" panose="02000603000000020004" pitchFamily="2" charset="-127"/>
-                  <a:ea typeface="Pretendard Medium" panose="02000603000000020004" pitchFamily="2" charset="-127"/>
-                  <a:cs typeface="Pretendard Medium" panose="02000603000000020004" pitchFamily="2" charset="-127"/>
-                </a:rPr>
-                <a:t>. </a:t>
-              </a:r>
-              <a:br>
-                <a:rPr lang="en-US" altLang="ko-KR" dirty="0">
-                  <a:latin typeface="Pretendard" panose="02000503000000020004" pitchFamily="2" charset="-127"/>
-                  <a:ea typeface="Pretendard" panose="02000503000000020004" pitchFamily="2" charset="-127"/>
-                  <a:cs typeface="Pretendard" panose="02000503000000020004" pitchFamily="2" charset="-127"/>
-                </a:rPr>
-              </a:br>
-              <a:r>
-                <a:rPr lang="ko-KR" altLang="en-US" dirty="0">
-                  <a:latin typeface="Pretendard" panose="02000503000000020004" pitchFamily="2" charset="-127"/>
-                  <a:ea typeface="Pretendard" panose="02000503000000020004" pitchFamily="2" charset="-127"/>
-                  <a:cs typeface="Pretendard" panose="02000503000000020004" pitchFamily="2" charset="-127"/>
-                </a:rPr>
-                <a:t>과거에는 의견 충돌을 피해야 원활한 협업이 된다고 생각하여 제 의견을 드러내지 않고 팀원의 의견을 수용하며 팀 프로젝트를 참여했었습니다</a:t>
-              </a:r>
-              <a:r>
-                <a:rPr lang="en-US" altLang="ko-KR" dirty="0">
-                  <a:latin typeface="Pretendard" panose="02000503000000020004" pitchFamily="2" charset="-127"/>
-                  <a:ea typeface="Pretendard" panose="02000503000000020004" pitchFamily="2" charset="-127"/>
-                  <a:cs typeface="Pretendard" panose="02000503000000020004" pitchFamily="2" charset="-127"/>
-                </a:rPr>
-                <a:t>. </a:t>
-              </a:r>
-              <a:r>
-                <a:rPr lang="ko-KR" altLang="en-US" dirty="0">
-                  <a:latin typeface="Pretendard" panose="02000503000000020004" pitchFamily="2" charset="-127"/>
-                  <a:ea typeface="Pretendard" panose="02000503000000020004" pitchFamily="2" charset="-127"/>
-                  <a:cs typeface="Pretendard" panose="02000503000000020004" pitchFamily="2" charset="-127"/>
-                </a:rPr>
-                <a:t>그러다 보니 점차 프로젝트에 흥미도 떨어지고 수동적으로 참여하게 되어 만족하지 못하는 결과를 내기도 했습니다</a:t>
-              </a:r>
-              <a:r>
-                <a:rPr lang="en-US" altLang="ko-KR" dirty="0">
-                  <a:latin typeface="Pretendard" panose="02000503000000020004" pitchFamily="2" charset="-127"/>
-                  <a:ea typeface="Pretendard" panose="02000503000000020004" pitchFamily="2" charset="-127"/>
-                  <a:cs typeface="Pretendard" panose="02000503000000020004" pitchFamily="2" charset="-127"/>
-                </a:rPr>
-                <a:t>. </a:t>
-              </a:r>
-              <a:r>
-                <a:rPr lang="ko-KR" altLang="en-US" dirty="0">
-                  <a:latin typeface="Pretendard" panose="02000503000000020004" pitchFamily="2" charset="-127"/>
-                  <a:ea typeface="Pretendard" panose="02000503000000020004" pitchFamily="2" charset="-127"/>
-                  <a:cs typeface="Pretendard" panose="02000503000000020004" pitchFamily="2" charset="-127"/>
-                </a:rPr>
-                <a:t>그러다 </a:t>
-              </a:r>
-              <a:endParaRPr lang="en-US" altLang="ko-KR" dirty="0">
-                <a:latin typeface="Pretendard" panose="02000503000000020004" pitchFamily="2" charset="-127"/>
-                <a:ea typeface="Pretendard" panose="02000503000000020004" pitchFamily="2" charset="-127"/>
-                <a:cs typeface="Pretendard" panose="02000503000000020004" pitchFamily="2" charset="-127"/>
-              </a:endParaRPr>
-            </a:p>
-            <a:p>
-              <a:pPr>
-                <a:lnSpc>
-                  <a:spcPct val="140000"/>
-                </a:lnSpc>
-                <a:spcAft>
-                  <a:spcPts val="1000"/>
-                </a:spcAft>
-              </a:pPr>
-              <a:r>
-                <a:rPr lang="ko-KR" altLang="en-US" dirty="0"/>
-                <a:t>저는 팀원들과 많은 의견을 주고 받으며 프로젝트로 적극적으로 참여할 때 더 성취감과 소속감을 느낍니다</a:t>
-              </a:r>
-              <a:r>
-                <a:rPr lang="en-US" altLang="ko-KR" dirty="0"/>
-                <a:t>. </a:t>
-              </a:r>
-              <a:r>
-                <a:rPr lang="ko-KR" altLang="en-US" dirty="0"/>
-                <a:t>그 과정에서 제가 제시하는 의견의 신뢰도를 높이기 위해 맡은 역할에도 책임을 다하고 규칙을 지키려고 노력합니다</a:t>
-              </a:r>
-              <a:r>
-                <a:rPr lang="en-US" altLang="ko-KR" dirty="0"/>
-                <a:t>. </a:t>
-              </a:r>
-              <a:r>
-                <a:rPr lang="ko-KR" altLang="en-US" dirty="0"/>
-                <a:t>이런 성향은 </a:t>
-              </a:r>
-              <a:r>
-                <a:rPr lang="en-US" altLang="ko-KR" dirty="0"/>
-                <a:t>‘</a:t>
-              </a:r>
-              <a:r>
-                <a:rPr lang="ko-KR" altLang="en-US" dirty="0"/>
-                <a:t>의견을 뒷받침하기 위한 능력을 키우자</a:t>
-              </a:r>
-              <a:r>
-                <a:rPr lang="en-US" altLang="ko-KR" dirty="0"/>
-                <a:t>’</a:t>
-              </a:r>
-              <a:r>
-                <a:rPr lang="ko-KR" altLang="en-US" dirty="0"/>
-                <a:t>는 가치관으로 발전하게 되었습니다</a:t>
-              </a:r>
-              <a:r>
-                <a:rPr lang="en-US" altLang="ko-KR" dirty="0"/>
-                <a:t>. </a:t>
-              </a:r>
-              <a:r>
-                <a:rPr lang="ko-KR" altLang="en-US" dirty="0"/>
-                <a:t>워크넷의 직업 선호도 검사</a:t>
-              </a:r>
-              <a:r>
-                <a:rPr lang="en-US" altLang="ko-KR" dirty="0"/>
-                <a:t>(L</a:t>
-              </a:r>
-              <a:r>
-                <a:rPr lang="ko-KR" altLang="en-US" dirty="0"/>
-                <a:t>형</a:t>
-              </a:r>
-              <a:r>
-                <a:rPr lang="en-US" altLang="ko-KR" dirty="0"/>
-                <a:t>)</a:t>
-              </a:r>
-              <a:r>
-                <a:rPr lang="ko-KR" altLang="en-US" dirty="0"/>
-                <a:t>에서는 사회형</a:t>
-              </a:r>
-              <a:r>
-                <a:rPr lang="en-US" altLang="ko-KR" dirty="0"/>
-                <a:t>(S), </a:t>
-              </a:r>
-              <a:r>
-                <a:rPr lang="ko-KR" altLang="en-US" dirty="0"/>
-                <a:t>관습형</a:t>
-              </a:r>
-              <a:r>
-                <a:rPr lang="en-US" altLang="ko-KR" dirty="0"/>
-                <a:t>(C) </a:t>
-              </a:r>
-              <a:r>
-                <a:rPr lang="ko-KR" altLang="en-US" dirty="0"/>
-                <a:t>에 해당하는 결과를 받기도 했습니다</a:t>
-              </a:r>
-              <a:r>
-                <a:rPr lang="en-US" altLang="ko-KR" dirty="0"/>
-                <a:t>. </a:t>
-              </a:r>
-            </a:p>
-            <a:p>
-              <a:pPr>
-                <a:lnSpc>
-                  <a:spcPct val="140000"/>
-                </a:lnSpc>
-                <a:spcAft>
-                  <a:spcPts val="1000"/>
-                </a:spcAft>
-              </a:pPr>
-              <a:endParaRPr lang="en-US" altLang="ko-KR" dirty="0"/>
-            </a:p>
-          </p:txBody>
-        </p:sp>
-        <p:sp>
-          <p:nvSpPr>
-            <p:cNvPr id="3" name="직사각형 2">
+          </p:grpSpPr>
+          <p:sp>
+            <p:nvSpPr>
+              <p:cNvPr id="2" name="TextBox 1">
+                <a:extLst>
+                  <a:ext uri="{FF2B5EF4-FFF2-40B4-BE49-F238E27FC236}">
+                    <a16:creationId xmlns:a16="http://schemas.microsoft.com/office/drawing/2014/main" id="{266766D4-0EAD-6028-5A7A-774DD12A4B90}"/>
+                  </a:ext>
+                </a:extLst>
+              </p:cNvPr>
+              <p:cNvSpPr txBox="1"/>
+              <p:nvPr/>
+            </p:nvSpPr>
+            <p:spPr>
+              <a:xfrm>
+                <a:off x="290620" y="742870"/>
+                <a:ext cx="6269676" cy="4169906"/>
+              </a:xfrm>
+              <a:prstGeom prst="rect">
+                <a:avLst/>
+              </a:prstGeom>
+              <a:noFill/>
+            </p:spPr>
+            <p:txBody>
+              <a:bodyPr wrap="square" lIns="0" tIns="72000" rIns="0" bIns="72000" rtlCol="0" anchor="t">
+                <a:spAutoFit/>
+              </a:bodyPr>
+              <a:lstStyle>
+                <a:defPPr>
+                  <a:defRPr lang="en-US"/>
+                </a:defPPr>
+                <a:lvl1pPr>
+                  <a:lnSpc>
+                    <a:spcPct val="135000"/>
+                  </a:lnSpc>
+                  <a:spcAft>
+                    <a:spcPts val="800"/>
+                  </a:spcAft>
+                  <a:defRPr sz="1000">
+                    <a:ln>
+                      <a:solidFill>
+                        <a:schemeClr val="bg1">
+                          <a:lumMod val="75000"/>
+                          <a:alpha val="0"/>
+                        </a:schemeClr>
+                      </a:solidFill>
+                    </a:ln>
+                    <a:latin typeface="Pretendard Light" panose="02000403000000020004" pitchFamily="2" charset="-127"/>
+                    <a:ea typeface="Pretendard Light" panose="02000403000000020004" pitchFamily="2" charset="-127"/>
+                    <a:cs typeface="Pretendard Light" panose="02000403000000020004" pitchFamily="2" charset="-127"/>
+                  </a:defRPr>
+                </a:lvl1pPr>
+              </a:lstStyle>
+              <a:p>
+                <a:pPr>
+                  <a:lnSpc>
+                    <a:spcPct val="140000"/>
+                  </a:lnSpc>
+                  <a:spcAft>
+                    <a:spcPts val="1000"/>
+                  </a:spcAft>
+                </a:pPr>
+                <a:r>
+                  <a:rPr lang="ko-KR" altLang="en-US" dirty="0"/>
+                  <a:t>저는 다음과 같은 두 가지 장점이 있습니다</a:t>
+                </a:r>
+                <a:r>
+                  <a:rPr lang="en-US" altLang="ko-KR" dirty="0"/>
+                  <a:t>. </a:t>
+                </a:r>
+              </a:p>
+              <a:p>
+                <a:pPr>
+                  <a:lnSpc>
+                    <a:spcPct val="140000"/>
+                  </a:lnSpc>
+                  <a:spcAft>
+                    <a:spcPts val="1000"/>
+                  </a:spcAft>
+                </a:pPr>
+                <a:r>
+                  <a:rPr lang="ko-KR" altLang="en-US" dirty="0">
+                    <a:latin typeface="Pretendard Medium" panose="02000603000000020004" pitchFamily="2" charset="-127"/>
+                    <a:ea typeface="Pretendard Medium" panose="02000603000000020004" pitchFamily="2" charset="-127"/>
+                    <a:cs typeface="Pretendard Medium" panose="02000603000000020004" pitchFamily="2" charset="-127"/>
+                  </a:rPr>
+                  <a:t>첫째</a:t>
+                </a:r>
+                <a:r>
+                  <a:rPr lang="en-US" altLang="ko-KR" dirty="0">
+                    <a:latin typeface="Pretendard Medium" panose="02000603000000020004" pitchFamily="2" charset="-127"/>
+                    <a:ea typeface="Pretendard Medium" panose="02000603000000020004" pitchFamily="2" charset="-127"/>
+                    <a:cs typeface="Pretendard Medium" panose="02000603000000020004" pitchFamily="2" charset="-127"/>
+                  </a:rPr>
+                  <a:t>, </a:t>
+                </a:r>
+                <a:r>
+                  <a:rPr lang="ko-KR" altLang="en-US" dirty="0">
+                    <a:latin typeface="Pretendard Medium" panose="02000603000000020004" pitchFamily="2" charset="-127"/>
+                    <a:ea typeface="Pretendard Medium" panose="02000603000000020004" pitchFamily="2" charset="-127"/>
+                    <a:cs typeface="Pretendard Medium" panose="02000603000000020004" pitchFamily="2" charset="-127"/>
+                  </a:rPr>
+                  <a:t>논리적인 사고로 상황을 분석한 후 결론을 도출합니다</a:t>
+                </a:r>
+                <a:r>
+                  <a:rPr lang="en-US" altLang="ko-KR" dirty="0">
+                    <a:latin typeface="Pretendard Medium" panose="02000603000000020004" pitchFamily="2" charset="-127"/>
+                    <a:ea typeface="Pretendard Medium" panose="02000603000000020004" pitchFamily="2" charset="-127"/>
+                    <a:cs typeface="Pretendard Medium" panose="02000603000000020004" pitchFamily="2" charset="-127"/>
+                  </a:rPr>
+                  <a:t>. </a:t>
+                </a:r>
+                <a:br>
+                  <a:rPr lang="en-US" altLang="ko-KR" dirty="0"/>
+                </a:br>
+                <a:r>
+                  <a:rPr lang="ko-KR" altLang="en-US" dirty="0"/>
+                  <a:t>저는 불확실한 상황에서 논리적인 사고의 흐름으로 결론을 낼 수 있을 때 안정감을 느끼고 자신감을 얻게 됩니다</a:t>
+                </a:r>
+                <a:r>
+                  <a:rPr lang="en-US" altLang="ko-KR" dirty="0"/>
+                  <a:t>. </a:t>
+                </a:r>
+                <a:r>
+                  <a:rPr lang="ko-KR" altLang="en-US" dirty="0"/>
+                  <a:t>기획 업무에서도 이런 성격을 활용합니다</a:t>
+                </a:r>
+                <a:r>
+                  <a:rPr lang="en-US" altLang="ko-KR" dirty="0"/>
+                  <a:t>. </a:t>
+                </a:r>
+                <a:r>
+                  <a:rPr lang="ko-KR" altLang="en-US" dirty="0"/>
+                  <a:t>예를 들어</a:t>
+                </a:r>
+                <a:r>
+                  <a:rPr lang="en-US" altLang="ko-KR" dirty="0"/>
+                  <a:t>, </a:t>
+                </a:r>
+                <a:r>
+                  <a:rPr lang="ko-KR" altLang="en-US" dirty="0"/>
+                  <a:t>신규 캐릭터를 기획할 때 기존 캐릭터들의 컨셉을 분석해서 세계관에 어울리는 컨셉을 설정하고 이를 바탕으로 전투를 기획하기도 합니다</a:t>
+                </a:r>
+                <a:r>
+                  <a:rPr lang="en-US" altLang="ko-KR" dirty="0"/>
+                  <a:t>. </a:t>
+                </a:r>
+                <a:r>
+                  <a:rPr lang="ko-KR" altLang="en-US" dirty="0"/>
+                  <a:t>때로는 캐릭터가 사용하는 무기를 분석해서 활용할 수 있는 구조가 있다면 적극적으로 반영하기도 합니다</a:t>
+                </a:r>
+                <a:r>
+                  <a:rPr lang="en-US" altLang="ko-KR" dirty="0"/>
+                  <a:t>. </a:t>
+                </a:r>
+              </a:p>
+              <a:p>
+                <a:pPr>
+                  <a:lnSpc>
+                    <a:spcPct val="140000"/>
+                  </a:lnSpc>
+                  <a:spcAft>
+                    <a:spcPts val="1000"/>
+                  </a:spcAft>
+                </a:pPr>
+                <a:r>
+                  <a:rPr lang="ko-KR" altLang="en-US" dirty="0">
+                    <a:latin typeface="Pretendard Medium" panose="02000603000000020004" pitchFamily="2" charset="-127"/>
+                    <a:ea typeface="Pretendard Medium" panose="02000603000000020004" pitchFamily="2" charset="-127"/>
+                    <a:cs typeface="Pretendard Medium" panose="02000603000000020004" pitchFamily="2" charset="-127"/>
+                  </a:rPr>
+                  <a:t>둘째</a:t>
+                </a:r>
+                <a:r>
+                  <a:rPr lang="en-US" altLang="ko-KR" dirty="0">
+                    <a:latin typeface="Pretendard Medium" panose="02000603000000020004" pitchFamily="2" charset="-127"/>
+                    <a:ea typeface="Pretendard Medium" panose="02000603000000020004" pitchFamily="2" charset="-127"/>
+                    <a:cs typeface="Pretendard Medium" panose="02000603000000020004" pitchFamily="2" charset="-127"/>
+                  </a:rPr>
+                  <a:t>, </a:t>
+                </a:r>
+                <a:r>
+                  <a:rPr lang="ko-KR" altLang="en-US" dirty="0">
+                    <a:latin typeface="Pretendard Medium" panose="02000603000000020004" pitchFamily="2" charset="-127"/>
+                    <a:ea typeface="Pretendard Medium" panose="02000603000000020004" pitchFamily="2" charset="-127"/>
+                    <a:cs typeface="Pretendard Medium" panose="02000603000000020004" pitchFamily="2" charset="-127"/>
+                  </a:rPr>
+                  <a:t>제가 생각한 이상적인 결과를 위해 끝까지 파고듭니다</a:t>
+                </a:r>
+                <a:r>
+                  <a:rPr lang="en-US" altLang="ko-KR" dirty="0">
+                    <a:latin typeface="Pretendard Medium" panose="02000603000000020004" pitchFamily="2" charset="-127"/>
+                    <a:ea typeface="Pretendard Medium" panose="02000603000000020004" pitchFamily="2" charset="-127"/>
+                    <a:cs typeface="Pretendard Medium" panose="02000603000000020004" pitchFamily="2" charset="-127"/>
+                  </a:rPr>
+                  <a:t>. </a:t>
+                </a:r>
+                <a:br>
+                  <a:rPr lang="en-US" altLang="ko-KR" dirty="0">
+                    <a:latin typeface="Pretendard" panose="02000503000000020004" pitchFamily="2" charset="-127"/>
+                    <a:ea typeface="Pretendard" panose="02000503000000020004" pitchFamily="2" charset="-127"/>
+                    <a:cs typeface="Pretendard" panose="02000503000000020004" pitchFamily="2" charset="-127"/>
+                  </a:rPr>
+                </a:br>
+                <a:r>
+                  <a:rPr lang="ko-KR" altLang="en-US" dirty="0"/>
+                  <a:t>저는 어떤 일을 할 때 </a:t>
+                </a:r>
+                <a:r>
+                  <a:rPr lang="en-US" altLang="ko-KR" dirty="0"/>
+                  <a:t>‘</a:t>
+                </a:r>
+                <a:r>
+                  <a:rPr lang="ko-KR" altLang="en-US" dirty="0"/>
+                  <a:t>이것보다 더 나은 방법은 없나</a:t>
+                </a:r>
+                <a:r>
+                  <a:rPr lang="en-US" altLang="ko-KR" dirty="0"/>
+                  <a:t>?’ / ‘</a:t>
+                </a:r>
+                <a:r>
+                  <a:rPr lang="ko-KR" altLang="en-US" dirty="0"/>
+                  <a:t>이건 왜 이렇게 되지</a:t>
+                </a:r>
+                <a:r>
+                  <a:rPr lang="en-US" altLang="ko-KR" dirty="0"/>
+                  <a:t>?’</a:t>
+                </a:r>
+                <a:r>
+                  <a:rPr lang="ko-KR" altLang="en-US" dirty="0"/>
+                  <a:t>라는 의문을 스스로에게 던지고 이에 대한 답을 찾기 위해 끝까지 파고 드는 성향이 있습니다</a:t>
+                </a:r>
+                <a:r>
+                  <a:rPr lang="en-US" altLang="ko-KR" dirty="0"/>
+                  <a:t>. </a:t>
+                </a:r>
+                <a:r>
+                  <a:rPr lang="ko-KR" altLang="en-US" dirty="0"/>
+                  <a:t>대학교에 다닐 때</a:t>
+                </a:r>
+                <a:r>
+                  <a:rPr lang="en-US" altLang="ko-KR" dirty="0"/>
+                  <a:t>, </a:t>
+                </a:r>
+                <a:r>
+                  <a:rPr lang="ko-KR" altLang="en-US" dirty="0"/>
+                  <a:t>프로그래밍 과제를 하면서 오류가 발생한 코드를 우연히 해결한 적이 있습니다</a:t>
+                </a:r>
+                <a:r>
+                  <a:rPr lang="en-US" altLang="ko-KR" dirty="0"/>
+                  <a:t>. </a:t>
+                </a:r>
+                <a:r>
+                  <a:rPr lang="ko-KR" altLang="en-US" dirty="0"/>
+                  <a:t>이때 왜 오류가 사라졌는지 완벽하게 이해하고 싶어서 밤새도록 교재를 찾거나 인터넷 검색을 하며 많은 시간을 쓴 적이 있습니다</a:t>
+                </a:r>
+                <a:r>
+                  <a:rPr lang="en-US" altLang="ko-KR" dirty="0"/>
+                  <a:t>. </a:t>
+                </a:r>
+                <a:r>
+                  <a:rPr lang="ko-KR" altLang="en-US" dirty="0"/>
+                  <a:t>게임을 할 때에도 난이도가 높은 몬스터에게 끝까지 도전합니다</a:t>
+                </a:r>
+                <a:r>
+                  <a:rPr lang="en-US" altLang="ko-KR" dirty="0"/>
+                  <a:t>. </a:t>
+                </a:r>
+                <a:r>
+                  <a:rPr lang="ko-KR" altLang="en-US" dirty="0"/>
+                  <a:t>그 과정에서 점차 숙련도가 증가하며</a:t>
+                </a:r>
+                <a:r>
+                  <a:rPr lang="en-US" altLang="ko-KR" dirty="0"/>
+                  <a:t>, </a:t>
+                </a:r>
+                <a:r>
+                  <a:rPr lang="ko-KR" altLang="en-US" dirty="0"/>
+                  <a:t>원하는 방향으로 전투를 이끌어 나갈 때 더 큰 성취감과 짜릿함을 얻게 됩니다</a:t>
+                </a:r>
+                <a:r>
+                  <a:rPr lang="en-US" altLang="ko-KR" dirty="0"/>
+                  <a:t>. </a:t>
+                </a:r>
+              </a:p>
+              <a:p>
+                <a:pPr>
+                  <a:lnSpc>
+                    <a:spcPct val="140000"/>
+                  </a:lnSpc>
+                  <a:spcAft>
+                    <a:spcPts val="1000"/>
+                  </a:spcAft>
+                </a:pPr>
+                <a:r>
+                  <a:rPr lang="ko-KR" altLang="en-US" dirty="0">
+                    <a:latin typeface="Pretendard Medium" panose="02000603000000020004" pitchFamily="2" charset="-127"/>
+                    <a:ea typeface="Pretendard Medium" panose="02000603000000020004" pitchFamily="2" charset="-127"/>
+                    <a:cs typeface="Pretendard Medium" panose="02000603000000020004" pitchFamily="2" charset="-127"/>
+                  </a:rPr>
+                  <a:t>반면</a:t>
+                </a:r>
+                <a:r>
+                  <a:rPr lang="en-US" altLang="ko-KR" dirty="0">
+                    <a:latin typeface="Pretendard Medium" panose="02000603000000020004" pitchFamily="2" charset="-127"/>
+                    <a:ea typeface="Pretendard Medium" panose="02000603000000020004" pitchFamily="2" charset="-127"/>
+                    <a:cs typeface="Pretendard Medium" panose="02000603000000020004" pitchFamily="2" charset="-127"/>
+                  </a:rPr>
+                  <a:t>, </a:t>
+                </a:r>
+                <a:r>
+                  <a:rPr lang="ko-KR" altLang="en-US" dirty="0">
+                    <a:latin typeface="Pretendard Medium" panose="02000603000000020004" pitchFamily="2" charset="-127"/>
+                    <a:ea typeface="Pretendard Medium" panose="02000603000000020004" pitchFamily="2" charset="-127"/>
+                    <a:cs typeface="Pretendard Medium" panose="02000603000000020004" pitchFamily="2" charset="-127"/>
+                  </a:rPr>
+                  <a:t>의견 충돌을 피하는 것이 협업에 도움이 된다고 생각해 제 의견을 드러내지 않기도 했습니다</a:t>
+                </a:r>
+                <a:r>
+                  <a:rPr lang="en-US" altLang="ko-KR" dirty="0">
+                    <a:latin typeface="Pretendard Medium" panose="02000603000000020004" pitchFamily="2" charset="-127"/>
+                    <a:ea typeface="Pretendard Medium" panose="02000603000000020004" pitchFamily="2" charset="-127"/>
+                    <a:cs typeface="Pretendard Medium" panose="02000603000000020004" pitchFamily="2" charset="-127"/>
+                  </a:rPr>
+                  <a:t>. </a:t>
+                </a:r>
+                <a:br>
+                  <a:rPr lang="en-US" altLang="ko-KR" dirty="0">
+                    <a:latin typeface="Pretendard" panose="02000503000000020004" pitchFamily="2" charset="-127"/>
+                    <a:ea typeface="Pretendard" panose="02000503000000020004" pitchFamily="2" charset="-127"/>
+                    <a:cs typeface="Pretendard" panose="02000503000000020004" pitchFamily="2" charset="-127"/>
+                  </a:rPr>
+                </a:br>
+                <a:r>
+                  <a:rPr lang="ko-KR" altLang="en-US" dirty="0"/>
+                  <a:t>하지만 팀 프로젝트를 몇 번 더 경험하면서 오히려 의견이 충돌하고</a:t>
+                </a:r>
+                <a:r>
+                  <a:rPr lang="en-US" altLang="ko-KR" dirty="0"/>
+                  <a:t>, </a:t>
+                </a:r>
+                <a:r>
+                  <a:rPr lang="ko-KR" altLang="en-US" dirty="0"/>
+                  <a:t>서로를 설득하며 많은 대화를 나눌 때 프로젝트가 원활하게 진행된다는 것을 </a:t>
+                </a:r>
+                <a:r>
+                  <a:rPr lang="ko-KR" altLang="en-US" dirty="0" err="1"/>
+                  <a:t>깨달았습니다</a:t>
+                </a:r>
+                <a:r>
+                  <a:rPr lang="en-US" altLang="ko-KR" dirty="0"/>
+                  <a:t>. </a:t>
+                </a:r>
+                <a:r>
+                  <a:rPr lang="ko-KR" altLang="en-US" dirty="0"/>
+                  <a:t>이후로는 팀원의 의견을 수용하면서도</a:t>
+                </a:r>
+                <a:r>
+                  <a:rPr lang="en-US" altLang="ko-KR" dirty="0"/>
+                  <a:t>,</a:t>
+                </a:r>
+                <a:r>
+                  <a:rPr lang="ko-KR" altLang="en-US" dirty="0"/>
+                  <a:t> 논리적인 근거를 바탕으로 저의 의견을 제시하며 팀원들과 최대한 많은 이야기를 해보려고 노력하게 되었습니다</a:t>
+                </a:r>
+                <a:r>
+                  <a:rPr lang="en-US" altLang="ko-KR" dirty="0"/>
+                  <a:t>. </a:t>
+                </a:r>
+                <a:r>
+                  <a:rPr lang="ko-KR" altLang="en-US" dirty="0"/>
+                  <a:t>그</a:t>
+                </a:r>
+                <a:r>
+                  <a:rPr lang="en-US" altLang="ko-KR" dirty="0"/>
+                  <a:t> </a:t>
+                </a:r>
+                <a:r>
+                  <a:rPr lang="ko-KR" altLang="en-US" dirty="0"/>
+                  <a:t>과정에서 더 큰 성취감과 소속감을 느끼게 되었고</a:t>
+                </a:r>
+                <a:r>
+                  <a:rPr lang="en-US" altLang="ko-KR" dirty="0"/>
+                  <a:t>, ‘</a:t>
+                </a:r>
+                <a:r>
+                  <a:rPr lang="ko-KR" altLang="en-US" dirty="0"/>
+                  <a:t>의견을 뒷받침하기 위한 능력을 키우자</a:t>
+                </a:r>
+                <a:r>
+                  <a:rPr lang="en-US" altLang="ko-KR" dirty="0"/>
+                  <a:t>’</a:t>
+                </a:r>
+                <a:r>
+                  <a:rPr lang="ko-KR" altLang="en-US" dirty="0"/>
+                  <a:t>라는 가치관을 갖게 되는 계기가 되었습니다</a:t>
+                </a:r>
+                <a:r>
+                  <a:rPr lang="en-US" altLang="ko-KR" dirty="0"/>
+                  <a:t>.</a:t>
+                </a:r>
+              </a:p>
+            </p:txBody>
+          </p:sp>
+          <p:sp>
+            <p:nvSpPr>
+              <p:cNvPr id="3" name="직사각형 2">
+                <a:extLst>
+                  <a:ext uri="{FF2B5EF4-FFF2-40B4-BE49-F238E27FC236}">
+                    <a16:creationId xmlns:a16="http://schemas.microsoft.com/office/drawing/2014/main" id="{49141596-6F5D-D696-32A0-60A8D809BDC2}"/>
+                  </a:ext>
+                </a:extLst>
+              </p:cNvPr>
+              <p:cNvSpPr/>
+              <p:nvPr/>
+            </p:nvSpPr>
+            <p:spPr>
+              <a:xfrm>
+                <a:off x="185458" y="344489"/>
+                <a:ext cx="6480671" cy="398381"/>
+              </a:xfrm>
+              <a:prstGeom prst="rect">
+                <a:avLst/>
+              </a:prstGeom>
+              <a:solidFill>
+                <a:srgbClr val="E1F2FF"/>
+              </a:solidFill>
+              <a:ln>
+                <a:noFill/>
+              </a:ln>
+              <a:effectLst/>
+            </p:spPr>
+            <p:style>
+              <a:lnRef idx="2">
+                <a:schemeClr val="accent1">
+                  <a:shade val="15000"/>
+                </a:schemeClr>
+              </a:lnRef>
+              <a:fillRef idx="1">
+                <a:schemeClr val="accent1"/>
+              </a:fillRef>
+              <a:effectRef idx="0">
+                <a:schemeClr val="accent1"/>
+              </a:effectRef>
+              <a:fontRef idx="minor">
+                <a:schemeClr val="lt1"/>
+              </a:fontRef>
+            </p:style>
+            <p:txBody>
+              <a:bodyPr rtlCol="0" anchor="ctr"/>
+              <a:lstStyle/>
+              <a:p>
+                <a:pPr algn="ctr"/>
+                <a:endParaRPr lang="ko-KR" altLang="en-US" sz="900"/>
+              </a:p>
+            </p:txBody>
+          </p:sp>
+          <p:sp>
+            <p:nvSpPr>
+              <p:cNvPr id="4" name="TextBox 3">
+                <a:extLst>
+                  <a:ext uri="{FF2B5EF4-FFF2-40B4-BE49-F238E27FC236}">
+                    <a16:creationId xmlns:a16="http://schemas.microsoft.com/office/drawing/2014/main" id="{3F8A52B2-3F91-2067-5599-9D2FDB6F2B37}"/>
+                  </a:ext>
+                </a:extLst>
+              </p:cNvPr>
+              <p:cNvSpPr txBox="1"/>
+              <p:nvPr/>
+            </p:nvSpPr>
+            <p:spPr>
+              <a:xfrm>
+                <a:off x="290620" y="459041"/>
+                <a:ext cx="771045" cy="169277"/>
+              </a:xfrm>
+              <a:prstGeom prst="rect">
+                <a:avLst/>
+              </a:prstGeom>
+              <a:noFill/>
+            </p:spPr>
+            <p:txBody>
+              <a:bodyPr wrap="none" lIns="0" tIns="0" rIns="0" bIns="0" rtlCol="0" anchor="t">
+                <a:spAutoFit/>
+              </a:bodyPr>
+              <a:lstStyle/>
+              <a:p>
+                <a:r>
+                  <a:rPr lang="ko-KR" altLang="en-US" sz="1100" dirty="0">
+                    <a:latin typeface="페이퍼로지 7 Bold" pitchFamily="2" charset="-127"/>
+                    <a:ea typeface="페이퍼로지 7 Bold" pitchFamily="2" charset="-127"/>
+                    <a:cs typeface="Pretendard Medium" panose="02000603000000020004" pitchFamily="2" charset="-127"/>
+                  </a:rPr>
+                  <a:t>성격의 장단점</a:t>
+                </a:r>
+              </a:p>
+            </p:txBody>
+          </p:sp>
+          <p:cxnSp>
+            <p:nvCxnSpPr>
+              <p:cNvPr id="11" name="직선 연결선 10">
+                <a:extLst>
+                  <a:ext uri="{FF2B5EF4-FFF2-40B4-BE49-F238E27FC236}">
+                    <a16:creationId xmlns:a16="http://schemas.microsoft.com/office/drawing/2014/main" id="{75870661-7F52-9CA0-E632-2E8298F0E09E}"/>
+                  </a:ext>
+                </a:extLst>
+              </p:cNvPr>
+              <p:cNvCxnSpPr>
+                <a:cxnSpLocks/>
+              </p:cNvCxnSpPr>
+              <p:nvPr/>
+            </p:nvCxnSpPr>
+            <p:spPr>
+              <a:xfrm>
+                <a:off x="185459" y="742870"/>
+                <a:ext cx="6480000" cy="0"/>
+              </a:xfrm>
+              <a:prstGeom prst="line">
+                <a:avLst/>
+              </a:prstGeom>
+              <a:ln w="9525">
+                <a:solidFill>
+                  <a:schemeClr val="bg1">
+                    <a:lumMod val="75000"/>
+                  </a:schemeClr>
+                </a:solidFill>
+              </a:ln>
+            </p:spPr>
+            <p:style>
+              <a:lnRef idx="2">
+                <a:schemeClr val="accent1"/>
+              </a:lnRef>
+              <a:fillRef idx="0">
+                <a:schemeClr val="accent1"/>
+              </a:fillRef>
+              <a:effectRef idx="1">
+                <a:schemeClr val="accent1"/>
+              </a:effectRef>
+              <a:fontRef idx="minor">
+                <a:schemeClr val="tx1"/>
+              </a:fontRef>
+            </p:style>
+          </p:cxnSp>
+          <p:sp>
+            <p:nvSpPr>
+              <p:cNvPr id="12" name="직사각형 11">
+                <a:extLst>
+                  <a:ext uri="{FF2B5EF4-FFF2-40B4-BE49-F238E27FC236}">
+                    <a16:creationId xmlns:a16="http://schemas.microsoft.com/office/drawing/2014/main" id="{477C30F3-0793-742F-CDBA-595AD2B3873D}"/>
+                  </a:ext>
+                </a:extLst>
+              </p:cNvPr>
+              <p:cNvSpPr/>
+              <p:nvPr/>
+            </p:nvSpPr>
+            <p:spPr>
+              <a:xfrm>
+                <a:off x="185458" y="344489"/>
+                <a:ext cx="6480000" cy="4568288"/>
+              </a:xfrm>
+              <a:prstGeom prst="rect">
+                <a:avLst/>
+              </a:prstGeom>
+              <a:noFill/>
+              <a:ln w="12700">
+                <a:solidFill>
+                  <a:schemeClr val="bg1">
+                    <a:lumMod val="75000"/>
+                  </a:schemeClr>
+                </a:solidFill>
+              </a:ln>
+              <a:effectLst/>
+            </p:spPr>
+            <p:style>
+              <a:lnRef idx="2">
+                <a:schemeClr val="accent1">
+                  <a:shade val="15000"/>
+                </a:schemeClr>
+              </a:lnRef>
+              <a:fillRef idx="1">
+                <a:schemeClr val="accent1"/>
+              </a:fillRef>
+              <a:effectRef idx="0">
+                <a:schemeClr val="accent1"/>
+              </a:effectRef>
+              <a:fontRef idx="minor">
+                <a:schemeClr val="lt1"/>
+              </a:fontRef>
+            </p:style>
+            <p:txBody>
+              <a:bodyPr rtlCol="0" anchor="ctr"/>
+              <a:lstStyle/>
+              <a:p>
+                <a:pPr algn="ctr"/>
+                <a:endParaRPr lang="ko-KR" altLang="en-US" sz="800" dirty="0"/>
+              </a:p>
+            </p:txBody>
+          </p:sp>
+        </p:grpSp>
+        <p:grpSp>
+          <p:nvGrpSpPr>
+            <p:cNvPr id="16" name="그룹 15">
               <a:extLst>
                 <a:ext uri="{FF2B5EF4-FFF2-40B4-BE49-F238E27FC236}">
-                  <a16:creationId xmlns:a16="http://schemas.microsoft.com/office/drawing/2014/main" id="{49141596-6F5D-D696-32A0-60A8D809BDC2}"/>
+                  <a16:creationId xmlns:a16="http://schemas.microsoft.com/office/drawing/2014/main" id="{A2575552-8AF1-38F1-B34B-D612905F4992}"/>
                 </a:ext>
               </a:extLst>
             </p:cNvPr>
-            <p:cNvSpPr/>
+            <p:cNvGrpSpPr/>
             <p:nvPr/>
-          </p:nvSpPr>
-          <p:spPr>
+          </p:nvGrpSpPr>
+          <p:grpSpPr>
             <a:xfrm>
-              <a:off x="185458" y="344489"/>
-              <a:ext cx="6480671" cy="398381"/>
+              <a:off x="185458" y="5724669"/>
+              <a:ext cx="6480671" cy="3578272"/>
+              <a:chOff x="185458" y="5226205"/>
+              <a:chExt cx="6480671" cy="3578272"/>
             </a:xfrm>
-            <a:prstGeom prst="rect">
-              <a:avLst/>
-            </a:prstGeom>
-            <a:solidFill>
-              <a:srgbClr val="E1F2FF"/>
-            </a:solidFill>
-            <a:ln>
+          </p:grpSpPr>
+          <p:sp>
+            <p:nvSpPr>
+              <p:cNvPr id="13" name="TextBox 12">
+                <a:extLst>
+                  <a:ext uri="{FF2B5EF4-FFF2-40B4-BE49-F238E27FC236}">
+                    <a16:creationId xmlns:a16="http://schemas.microsoft.com/office/drawing/2014/main" id="{978DB277-56AD-2C16-8562-A15B83494E08}"/>
+                  </a:ext>
+                </a:extLst>
+              </p:cNvPr>
+              <p:cNvSpPr txBox="1"/>
+              <p:nvPr/>
+            </p:nvSpPr>
+            <p:spPr>
+              <a:xfrm>
+                <a:off x="290620" y="5624586"/>
+                <a:ext cx="6269676" cy="3179891"/>
+              </a:xfrm>
+              <a:prstGeom prst="rect">
+                <a:avLst/>
+              </a:prstGeom>
               <a:noFill/>
-            </a:ln>
-            <a:effectLst/>
-          </p:spPr>
-          <p:style>
-            <a:lnRef idx="2">
-              <a:schemeClr val="accent1">
-                <a:shade val="15000"/>
-              </a:schemeClr>
-            </a:lnRef>
-            <a:fillRef idx="1">
-              <a:schemeClr val="accent1"/>
-            </a:fillRef>
-            <a:effectRef idx="0">
-              <a:schemeClr val="accent1"/>
-            </a:effectRef>
-            <a:fontRef idx="minor">
-              <a:schemeClr val="lt1"/>
-            </a:fontRef>
-          </p:style>
-          <p:txBody>
-            <a:bodyPr rtlCol="0" anchor="ctr"/>
-            <a:lstStyle/>
-            <a:p>
-              <a:pPr algn="ctr"/>
-              <a:endParaRPr lang="ko-KR" altLang="en-US" sz="900"/>
-            </a:p>
-          </p:txBody>
-        </p:sp>
-        <p:sp>
-          <p:nvSpPr>
-            <p:cNvPr id="4" name="TextBox 3">
-              <a:extLst>
-                <a:ext uri="{FF2B5EF4-FFF2-40B4-BE49-F238E27FC236}">
-                  <a16:creationId xmlns:a16="http://schemas.microsoft.com/office/drawing/2014/main" id="{3F8A52B2-3F91-2067-5599-9D2FDB6F2B37}"/>
-                </a:ext>
-              </a:extLst>
-            </p:cNvPr>
-            <p:cNvSpPr txBox="1"/>
-            <p:nvPr/>
-          </p:nvSpPr>
-          <p:spPr>
-            <a:xfrm>
-              <a:off x="290620" y="459041"/>
-              <a:ext cx="771045" cy="169277"/>
-            </a:xfrm>
-            <a:prstGeom prst="rect">
-              <a:avLst/>
-            </a:prstGeom>
-            <a:noFill/>
-          </p:spPr>
-          <p:txBody>
-            <a:bodyPr wrap="none" lIns="0" tIns="0" rIns="0" bIns="0" rtlCol="0" anchor="t">
-              <a:spAutoFit/>
-            </a:bodyPr>
-            <a:lstStyle/>
-            <a:p>
-              <a:r>
-                <a:rPr lang="ko-KR" altLang="en-US" sz="1100" dirty="0">
-                  <a:latin typeface="페이퍼로지 7 Bold" pitchFamily="2" charset="-127"/>
-                  <a:ea typeface="페이퍼로지 7 Bold" pitchFamily="2" charset="-127"/>
-                  <a:cs typeface="Pretendard Medium" panose="02000603000000020004" pitchFamily="2" charset="-127"/>
-                </a:rPr>
-                <a:t>성격의 장단점</a:t>
-              </a:r>
-            </a:p>
-          </p:txBody>
-        </p:sp>
-        <p:cxnSp>
-          <p:nvCxnSpPr>
-            <p:cNvPr id="11" name="직선 연결선 10">
-              <a:extLst>
-                <a:ext uri="{FF2B5EF4-FFF2-40B4-BE49-F238E27FC236}">
-                  <a16:creationId xmlns:a16="http://schemas.microsoft.com/office/drawing/2014/main" id="{75870661-7F52-9CA0-E632-2E8298F0E09E}"/>
-                </a:ext>
-              </a:extLst>
-            </p:cNvPr>
-            <p:cNvCxnSpPr>
-              <a:cxnSpLocks/>
-            </p:cNvCxnSpPr>
-            <p:nvPr/>
-          </p:nvCxnSpPr>
-          <p:spPr>
-            <a:xfrm>
-              <a:off x="185459" y="742870"/>
-              <a:ext cx="6480000" cy="0"/>
-            </a:xfrm>
-            <a:prstGeom prst="line">
-              <a:avLst/>
-            </a:prstGeom>
-            <a:ln w="9525">
+            </p:spPr>
+            <p:txBody>
+              <a:bodyPr wrap="square" lIns="0" tIns="72000" rIns="0" bIns="72000" rtlCol="0" anchor="t">
+                <a:spAutoFit/>
+              </a:bodyPr>
+              <a:lstStyle>
+                <a:defPPr>
+                  <a:defRPr lang="en-US"/>
+                </a:defPPr>
+                <a:lvl1pPr>
+                  <a:lnSpc>
+                    <a:spcPct val="135000"/>
+                  </a:lnSpc>
+                  <a:spcAft>
+                    <a:spcPts val="800"/>
+                  </a:spcAft>
+                  <a:defRPr sz="1000">
+                    <a:ln>
+                      <a:solidFill>
+                        <a:schemeClr val="bg1">
+                          <a:lumMod val="75000"/>
+                          <a:alpha val="0"/>
+                        </a:schemeClr>
+                      </a:solidFill>
+                    </a:ln>
+                    <a:latin typeface="Pretendard Light" panose="02000403000000020004" pitchFamily="2" charset="-127"/>
+                    <a:ea typeface="Pretendard Light" panose="02000403000000020004" pitchFamily="2" charset="-127"/>
+                    <a:cs typeface="Pretendard Light" panose="02000403000000020004" pitchFamily="2" charset="-127"/>
+                  </a:defRPr>
+                </a:lvl1pPr>
+              </a:lstStyle>
+              <a:p>
+                <a:pPr>
+                  <a:lnSpc>
+                    <a:spcPct val="140000"/>
+                  </a:lnSpc>
+                  <a:spcAft>
+                    <a:spcPts val="1000"/>
+                  </a:spcAft>
+                </a:pPr>
+                <a:r>
+                  <a:rPr lang="ko-KR" altLang="en-US" dirty="0"/>
+                  <a:t>제가 꿈꾸는 이상적인 기획자는 유저들이 인정하는 기획자입니다</a:t>
+                </a:r>
+                <a:r>
+                  <a:rPr lang="en-US" altLang="ko-KR" dirty="0"/>
+                  <a:t>. ‘</a:t>
+                </a:r>
+                <a:r>
+                  <a:rPr lang="ko-KR" altLang="en-US" dirty="0"/>
+                  <a:t>이 사람이 기획한 게임이면 재미있겠네’</a:t>
+                </a:r>
+                <a:r>
+                  <a:rPr lang="en-US" altLang="ko-KR" dirty="0"/>
+                  <a:t>, ‘</a:t>
+                </a:r>
+                <a:r>
+                  <a:rPr lang="ko-KR" altLang="en-US" dirty="0"/>
+                  <a:t>이 사람의 이런 점이 내가 선호하는 스타일이야</a:t>
+                </a:r>
+                <a:r>
+                  <a:rPr lang="en-US" altLang="ko-KR" dirty="0"/>
+                  <a:t>.’</a:t>
+                </a:r>
+                <a:r>
+                  <a:rPr lang="ko-KR" altLang="en-US" dirty="0"/>
+                  <a:t>처럼 유저들에게 신뢰를 바탕으로 재미를 선사하는 기획자가 되겠습니다</a:t>
+                </a:r>
+                <a:r>
+                  <a:rPr lang="en-US" altLang="ko-KR" dirty="0"/>
+                  <a:t>. </a:t>
+                </a:r>
+                <a:r>
+                  <a:rPr lang="ko-KR" altLang="en-US" dirty="0"/>
+                  <a:t>이를 위해 다음과 같은 목표를 가지고 노력하겠습니다</a:t>
+                </a:r>
+                <a:r>
+                  <a:rPr lang="en-US" altLang="ko-KR" dirty="0"/>
+                  <a:t>. </a:t>
+                </a:r>
+              </a:p>
+              <a:p>
+                <a:pPr>
+                  <a:lnSpc>
+                    <a:spcPct val="140000"/>
+                  </a:lnSpc>
+                  <a:spcAft>
+                    <a:spcPts val="1000"/>
+                  </a:spcAft>
+                </a:pPr>
+                <a:r>
+                  <a:rPr lang="ko-KR" altLang="en-US" dirty="0">
+                    <a:latin typeface="Pretendard Medium" panose="02000603000000020004" pitchFamily="2" charset="-127"/>
+                    <a:ea typeface="Pretendard Medium" panose="02000603000000020004" pitchFamily="2" charset="-127"/>
+                    <a:cs typeface="Pretendard Medium" panose="02000603000000020004" pitchFamily="2" charset="-127"/>
+                  </a:rPr>
+                  <a:t>첫째</a:t>
+                </a:r>
+                <a:r>
+                  <a:rPr lang="en-US" altLang="ko-KR" dirty="0">
+                    <a:latin typeface="Pretendard Medium" panose="02000603000000020004" pitchFamily="2" charset="-127"/>
+                    <a:ea typeface="Pretendard Medium" panose="02000603000000020004" pitchFamily="2" charset="-127"/>
+                    <a:cs typeface="Pretendard Medium" panose="02000603000000020004" pitchFamily="2" charset="-127"/>
+                  </a:rPr>
+                  <a:t>, </a:t>
+                </a:r>
+                <a:r>
+                  <a:rPr lang="ko-KR" altLang="en-US" dirty="0">
+                    <a:latin typeface="Pretendard Medium" panose="02000603000000020004" pitchFamily="2" charset="-127"/>
+                    <a:ea typeface="Pretendard Medium" panose="02000603000000020004" pitchFamily="2" charset="-127"/>
+                    <a:cs typeface="Pretendard Medium" panose="02000603000000020004" pitchFamily="2" charset="-127"/>
+                  </a:rPr>
+                  <a:t>이유를 설명할 줄 아는 기획자가 되겠습니다</a:t>
+                </a:r>
+                <a:r>
+                  <a:rPr lang="en-US" altLang="ko-KR" dirty="0">
+                    <a:latin typeface="Pretendard Medium" panose="02000603000000020004" pitchFamily="2" charset="-127"/>
+                    <a:ea typeface="Pretendard Medium" panose="02000603000000020004" pitchFamily="2" charset="-127"/>
+                    <a:cs typeface="Pretendard Medium" panose="02000603000000020004" pitchFamily="2" charset="-127"/>
+                  </a:rPr>
+                  <a:t>.</a:t>
+                </a:r>
+                <a:r>
+                  <a:rPr lang="en-US" altLang="ko-KR" dirty="0">
+                    <a:latin typeface="Pretendard" panose="02000503000000020004" pitchFamily="2" charset="-127"/>
+                    <a:ea typeface="Pretendard" panose="02000503000000020004" pitchFamily="2" charset="-127"/>
+                    <a:cs typeface="Pretendard" panose="02000503000000020004" pitchFamily="2" charset="-127"/>
+                  </a:rPr>
+                  <a:t> </a:t>
+                </a:r>
+                <a:br>
+                  <a:rPr lang="en-US" altLang="ko-KR" dirty="0">
+                    <a:latin typeface="Pretendard" panose="02000503000000020004" pitchFamily="2" charset="-127"/>
+                    <a:ea typeface="Pretendard" panose="02000503000000020004" pitchFamily="2" charset="-127"/>
+                    <a:cs typeface="Pretendard" panose="02000503000000020004" pitchFamily="2" charset="-127"/>
+                  </a:rPr>
+                </a:br>
+                <a:r>
+                  <a:rPr lang="ko-KR" altLang="en-US" dirty="0"/>
+                  <a:t>기획서를 작성하고 기획에 대해 공부하면서 저의 생각을 명확하게 전달하려면 기획 의도를 설정하는 것이 중요하다는 점을 알게 되었습니다</a:t>
+                </a:r>
+                <a:r>
+                  <a:rPr lang="en-US" altLang="ko-KR" dirty="0"/>
+                  <a:t>. </a:t>
+                </a:r>
+                <a:r>
+                  <a:rPr lang="ko-KR" altLang="en-US" dirty="0"/>
+                  <a:t>아직은 그 역량을 더 </a:t>
+                </a:r>
+                <a:r>
+                  <a:rPr lang="ko-KR" altLang="en-US" dirty="0" err="1"/>
+                  <a:t>키워나가야</a:t>
+                </a:r>
+                <a:r>
+                  <a:rPr lang="ko-KR" altLang="en-US" dirty="0"/>
+                  <a:t> 한다고 생각하며</a:t>
+                </a:r>
+                <a:r>
+                  <a:rPr lang="en-US" altLang="ko-KR" dirty="0"/>
+                  <a:t>, ‘</a:t>
+                </a:r>
+                <a:r>
+                  <a:rPr lang="ko-KR" altLang="en-US" dirty="0"/>
+                  <a:t>왜 이렇게 기획했을까</a:t>
+                </a:r>
+                <a:r>
+                  <a:rPr lang="en-US" altLang="ko-KR" dirty="0"/>
+                  <a:t>?’</a:t>
+                </a:r>
+                <a:r>
+                  <a:rPr lang="ko-KR" altLang="en-US" dirty="0"/>
+                  <a:t>라는 질문을 통해 다른 사람의 기획 의도를 파악해 보는 역량을 기르고 있습니다</a:t>
+                </a:r>
+                <a:r>
+                  <a:rPr lang="en-US" altLang="ko-KR" dirty="0"/>
+                  <a:t>. </a:t>
+                </a:r>
+                <a:r>
+                  <a:rPr lang="ko-KR" altLang="en-US" dirty="0"/>
+                  <a:t>이러한 사고가 자연스럽게 이루어질 때 설득력 있는 기획이 이루어지고 프로젝트의 성공에 기여할 수 있다고 생각합니다</a:t>
+                </a:r>
+                <a:r>
+                  <a:rPr lang="en-US" altLang="ko-KR" dirty="0"/>
+                  <a:t>. </a:t>
+                </a:r>
+              </a:p>
+              <a:p>
+                <a:pPr>
+                  <a:lnSpc>
+                    <a:spcPct val="140000"/>
+                  </a:lnSpc>
+                  <a:spcAft>
+                    <a:spcPts val="1000"/>
+                  </a:spcAft>
+                </a:pPr>
+                <a:r>
+                  <a:rPr lang="ko-KR" altLang="en-US" dirty="0">
+                    <a:latin typeface="Pretendard Medium" panose="02000603000000020004" pitchFamily="2" charset="-127"/>
+                    <a:ea typeface="Pretendard Medium" panose="02000603000000020004" pitchFamily="2" charset="-127"/>
+                    <a:cs typeface="Pretendard Medium" panose="02000603000000020004" pitchFamily="2" charset="-127"/>
+                  </a:rPr>
+                  <a:t>둘째</a:t>
+                </a:r>
+                <a:r>
+                  <a:rPr lang="en-US" altLang="ko-KR" dirty="0">
+                    <a:latin typeface="Pretendard Medium" panose="02000603000000020004" pitchFamily="2" charset="-127"/>
+                    <a:ea typeface="Pretendard Medium" panose="02000603000000020004" pitchFamily="2" charset="-127"/>
+                    <a:cs typeface="Pretendard Medium" panose="02000603000000020004" pitchFamily="2" charset="-127"/>
+                  </a:rPr>
+                  <a:t>, </a:t>
+                </a:r>
+                <a:r>
+                  <a:rPr lang="ko-KR" altLang="en-US" dirty="0">
+                    <a:latin typeface="Pretendard Medium" panose="02000603000000020004" pitchFamily="2" charset="-127"/>
+                    <a:ea typeface="Pretendard Medium" panose="02000603000000020004" pitchFamily="2" charset="-127"/>
+                    <a:cs typeface="Pretendard Medium" panose="02000603000000020004" pitchFamily="2" charset="-127"/>
+                  </a:rPr>
+                  <a:t>가장 먼저 동료들에게 신뢰를 주는 기획자가 되겠습니다</a:t>
+                </a:r>
+                <a:r>
+                  <a:rPr lang="en-US" altLang="ko-KR" dirty="0">
+                    <a:latin typeface="Pretendard Medium" panose="02000603000000020004" pitchFamily="2" charset="-127"/>
+                    <a:ea typeface="Pretendard Medium" panose="02000603000000020004" pitchFamily="2" charset="-127"/>
+                    <a:cs typeface="Pretendard Medium" panose="02000603000000020004" pitchFamily="2" charset="-127"/>
+                  </a:rPr>
+                  <a:t>.</a:t>
+                </a:r>
+                <a:br>
+                  <a:rPr lang="en-US" altLang="ko-KR" dirty="0">
+                    <a:latin typeface="Pretendard" panose="02000503000000020004" pitchFamily="2" charset="-127"/>
+                    <a:ea typeface="Pretendard" panose="02000503000000020004" pitchFamily="2" charset="-127"/>
+                    <a:cs typeface="Pretendard" panose="02000503000000020004" pitchFamily="2" charset="-127"/>
+                  </a:rPr>
+                </a:br>
+                <a:r>
+                  <a:rPr lang="ko-KR" altLang="en-US" dirty="0"/>
+                  <a:t>신뢰받는 기획자는 게임 개발의 중심에서 개발의 방향을 잡아주어 동료들의 업무 효율을 높일 수 있습니다</a:t>
+                </a:r>
+                <a:r>
+                  <a:rPr lang="en-US" altLang="ko-KR" dirty="0"/>
+                  <a:t>. </a:t>
+                </a:r>
+                <a:r>
+                  <a:rPr lang="ko-KR" altLang="en-US" dirty="0"/>
+                  <a:t>또한 기획에 대한 신뢰도도 올라갈 것입니다</a:t>
+                </a:r>
+                <a:r>
+                  <a:rPr lang="en-US" altLang="ko-KR" dirty="0"/>
+                  <a:t>. </a:t>
+                </a:r>
+                <a:r>
+                  <a:rPr lang="ko-KR" altLang="en-US" dirty="0"/>
+                  <a:t>저는 개발의 중심에서 동료분들과 함께 기획한 내용이 현실화되고 더 나은 결과물로 이어질 때 높은 성취감과 소속감을 얻습니다</a:t>
+                </a:r>
+                <a:r>
+                  <a:rPr lang="en-US" altLang="ko-KR" dirty="0"/>
+                  <a:t>. </a:t>
+                </a:r>
+                <a:r>
+                  <a:rPr lang="ko-KR" altLang="en-US" dirty="0"/>
+                  <a:t>그래서 먼저 동료들에게 신뢰를 주는 기획자가 되어 프로젝트를 성공적으로 이끌고 유저들에게도 신뢰를 줄 수 있는 기획자가 되도록 노력하겠습니다</a:t>
+                </a:r>
+                <a:r>
+                  <a:rPr lang="en-US" altLang="ko-KR" dirty="0"/>
+                  <a:t>.</a:t>
+                </a:r>
+              </a:p>
+            </p:txBody>
+          </p:sp>
+          <p:sp>
+            <p:nvSpPr>
+              <p:cNvPr id="14" name="직사각형 13">
+                <a:extLst>
+                  <a:ext uri="{FF2B5EF4-FFF2-40B4-BE49-F238E27FC236}">
+                    <a16:creationId xmlns:a16="http://schemas.microsoft.com/office/drawing/2014/main" id="{EB6866A8-3A45-BC9F-5774-0614651C8EB8}"/>
+                  </a:ext>
+                </a:extLst>
+              </p:cNvPr>
+              <p:cNvSpPr/>
+              <p:nvPr/>
+            </p:nvSpPr>
+            <p:spPr>
+              <a:xfrm>
+                <a:off x="185458" y="5226205"/>
+                <a:ext cx="6480671" cy="398381"/>
+              </a:xfrm>
+              <a:prstGeom prst="rect">
+                <a:avLst/>
+              </a:prstGeom>
               <a:solidFill>
-                <a:schemeClr val="bg1">
-                  <a:lumMod val="75000"/>
+                <a:srgbClr val="E1F2FF"/>
+              </a:solidFill>
+              <a:ln>
+                <a:noFill/>
+              </a:ln>
+              <a:effectLst/>
+            </p:spPr>
+            <p:style>
+              <a:lnRef idx="2">
+                <a:schemeClr val="accent1">
+                  <a:shade val="15000"/>
                 </a:schemeClr>
-              </a:solidFill>
-            </a:ln>
-          </p:spPr>
-          <p:style>
-            <a:lnRef idx="2">
-              <a:schemeClr val="accent1"/>
-            </a:lnRef>
-            <a:fillRef idx="0">
-              <a:schemeClr val="accent1"/>
-            </a:fillRef>
-            <a:effectRef idx="1">
-              <a:schemeClr val="accent1"/>
-            </a:effectRef>
-            <a:fontRef idx="minor">
-              <a:schemeClr val="tx1"/>
-            </a:fontRef>
-          </p:style>
-        </p:cxnSp>
-        <p:sp>
-          <p:nvSpPr>
-            <p:cNvPr id="12" name="직사각형 11">
-              <a:extLst>
-                <a:ext uri="{FF2B5EF4-FFF2-40B4-BE49-F238E27FC236}">
-                  <a16:creationId xmlns:a16="http://schemas.microsoft.com/office/drawing/2014/main" id="{477C30F3-0793-742F-CDBA-595AD2B3873D}"/>
-                </a:ext>
-              </a:extLst>
-            </p:cNvPr>
-            <p:cNvSpPr/>
-            <p:nvPr/>
-          </p:nvSpPr>
-          <p:spPr>
-            <a:xfrm>
-              <a:off x="185458" y="344488"/>
-              <a:ext cx="6480000" cy="3921957"/>
-            </a:xfrm>
-            <a:prstGeom prst="rect">
-              <a:avLst/>
-            </a:prstGeom>
-            <a:noFill/>
-            <a:ln w="12700">
-              <a:solidFill>
-                <a:schemeClr val="bg1">
-                  <a:lumMod val="75000"/>
+              </a:lnRef>
+              <a:fillRef idx="1">
+                <a:schemeClr val="accent1"/>
+              </a:fillRef>
+              <a:effectRef idx="0">
+                <a:schemeClr val="accent1"/>
+              </a:effectRef>
+              <a:fontRef idx="minor">
+                <a:schemeClr val="lt1"/>
+              </a:fontRef>
+            </p:style>
+            <p:txBody>
+              <a:bodyPr rtlCol="0" anchor="ctr"/>
+              <a:lstStyle/>
+              <a:p>
+                <a:pPr algn="ctr"/>
+                <a:endParaRPr lang="ko-KR" altLang="en-US" sz="900"/>
+              </a:p>
+            </p:txBody>
+          </p:sp>
+          <p:sp>
+            <p:nvSpPr>
+              <p:cNvPr id="15" name="TextBox 14">
+                <a:extLst>
+                  <a:ext uri="{FF2B5EF4-FFF2-40B4-BE49-F238E27FC236}">
+                    <a16:creationId xmlns:a16="http://schemas.microsoft.com/office/drawing/2014/main" id="{DAE2C25C-68AE-DA19-801B-340AE7195C89}"/>
+                  </a:ext>
+                </a:extLst>
+              </p:cNvPr>
+              <p:cNvSpPr txBox="1"/>
+              <p:nvPr/>
+            </p:nvSpPr>
+            <p:spPr>
+              <a:xfrm>
+                <a:off x="290620" y="5340757"/>
+                <a:ext cx="678071" cy="169277"/>
+              </a:xfrm>
+              <a:prstGeom prst="rect">
+                <a:avLst/>
+              </a:prstGeom>
+              <a:noFill/>
+            </p:spPr>
+            <p:txBody>
+              <a:bodyPr wrap="none" lIns="0" tIns="0" rIns="0" bIns="0" rtlCol="0" anchor="t">
+                <a:spAutoFit/>
+              </a:bodyPr>
+              <a:lstStyle/>
+              <a:p>
+                <a:r>
+                  <a:rPr lang="ko-KR" altLang="en-US" sz="1100" dirty="0">
+                    <a:latin typeface="페이퍼로지 7 Bold" pitchFamily="2" charset="-127"/>
+                    <a:ea typeface="페이퍼로지 7 Bold" pitchFamily="2" charset="-127"/>
+                    <a:cs typeface="Pretendard Medium" panose="02000603000000020004" pitchFamily="2" charset="-127"/>
+                  </a:rPr>
+                  <a:t>입사 후 포부</a:t>
+                </a:r>
+              </a:p>
+            </p:txBody>
+          </p:sp>
+          <p:cxnSp>
+            <p:nvCxnSpPr>
+              <p:cNvPr id="18" name="직선 연결선 17">
+                <a:extLst>
+                  <a:ext uri="{FF2B5EF4-FFF2-40B4-BE49-F238E27FC236}">
+                    <a16:creationId xmlns:a16="http://schemas.microsoft.com/office/drawing/2014/main" id="{9FA312AA-3D10-024B-EB66-6459E95EAE11}"/>
+                  </a:ext>
+                </a:extLst>
+              </p:cNvPr>
+              <p:cNvCxnSpPr>
+                <a:cxnSpLocks/>
+              </p:cNvCxnSpPr>
+              <p:nvPr/>
+            </p:nvCxnSpPr>
+            <p:spPr>
+              <a:xfrm>
+                <a:off x="185459" y="5624586"/>
+                <a:ext cx="6480000" cy="0"/>
+              </a:xfrm>
+              <a:prstGeom prst="line">
+                <a:avLst/>
+              </a:prstGeom>
+              <a:ln w="9525">
+                <a:solidFill>
+                  <a:schemeClr val="bg1">
+                    <a:lumMod val="75000"/>
+                  </a:schemeClr>
+                </a:solidFill>
+              </a:ln>
+            </p:spPr>
+            <p:style>
+              <a:lnRef idx="2">
+                <a:schemeClr val="accent1"/>
+              </a:lnRef>
+              <a:fillRef idx="0">
+                <a:schemeClr val="accent1"/>
+              </a:fillRef>
+              <a:effectRef idx="1">
+                <a:schemeClr val="accent1"/>
+              </a:effectRef>
+              <a:fontRef idx="minor">
+                <a:schemeClr val="tx1"/>
+              </a:fontRef>
+            </p:style>
+          </p:cxnSp>
+          <p:sp>
+            <p:nvSpPr>
+              <p:cNvPr id="19" name="직사각형 18">
+                <a:extLst>
+                  <a:ext uri="{FF2B5EF4-FFF2-40B4-BE49-F238E27FC236}">
+                    <a16:creationId xmlns:a16="http://schemas.microsoft.com/office/drawing/2014/main" id="{4E811AE4-B6D3-899E-F67B-E41AB8DC7CD4}"/>
+                  </a:ext>
+                </a:extLst>
+              </p:cNvPr>
+              <p:cNvSpPr/>
+              <p:nvPr/>
+            </p:nvSpPr>
+            <p:spPr>
+              <a:xfrm>
+                <a:off x="185458" y="5226205"/>
+                <a:ext cx="6480000" cy="3578271"/>
+              </a:xfrm>
+              <a:prstGeom prst="rect">
+                <a:avLst/>
+              </a:prstGeom>
+              <a:noFill/>
+              <a:ln w="12700">
+                <a:solidFill>
+                  <a:schemeClr val="bg1">
+                    <a:lumMod val="75000"/>
+                  </a:schemeClr>
+                </a:solidFill>
+              </a:ln>
+              <a:effectLst/>
+            </p:spPr>
+            <p:style>
+              <a:lnRef idx="2">
+                <a:schemeClr val="accent1">
+                  <a:shade val="15000"/>
                 </a:schemeClr>
-              </a:solidFill>
-            </a:ln>
-            <a:effectLst/>
-          </p:spPr>
-          <p:style>
-            <a:lnRef idx="2">
-              <a:schemeClr val="accent1">
-                <a:shade val="15000"/>
-              </a:schemeClr>
-            </a:lnRef>
-            <a:fillRef idx="1">
-              <a:schemeClr val="accent1"/>
-            </a:fillRef>
-            <a:effectRef idx="0">
-              <a:schemeClr val="accent1"/>
-            </a:effectRef>
-            <a:fontRef idx="minor">
-              <a:schemeClr val="lt1"/>
-            </a:fontRef>
-          </p:style>
-          <p:txBody>
-            <a:bodyPr rtlCol="0" anchor="ctr"/>
-            <a:lstStyle/>
-            <a:p>
-              <a:pPr algn="ctr"/>
-              <a:endParaRPr lang="ko-KR" altLang="en-US" sz="800" dirty="0"/>
-            </a:p>
-          </p:txBody>
-        </p:sp>
+              </a:lnRef>
+              <a:fillRef idx="1">
+                <a:schemeClr val="accent1"/>
+              </a:fillRef>
+              <a:effectRef idx="0">
+                <a:schemeClr val="accent1"/>
+              </a:effectRef>
+              <a:fontRef idx="minor">
+                <a:schemeClr val="lt1"/>
+              </a:fontRef>
+            </p:style>
+            <p:txBody>
+              <a:bodyPr rtlCol="0" anchor="ctr"/>
+              <a:lstStyle/>
+              <a:p>
+                <a:pPr algn="ctr"/>
+                <a:endParaRPr lang="ko-KR" altLang="en-US" sz="800" dirty="0"/>
+              </a:p>
+            </p:txBody>
+          </p:sp>
+        </p:grpSp>
       </p:grpSp>
-      <p:grpSp>
-        <p:nvGrpSpPr>
-          <p:cNvPr id="16" name="그룹 15">
+      <p:sp>
+        <p:nvSpPr>
+          <p:cNvPr id="21" name="슬라이드 번호 개체 틀 20">
             <a:extLst>
               <a:ext uri="{FF2B5EF4-FFF2-40B4-BE49-F238E27FC236}">
-                <a16:creationId xmlns:a16="http://schemas.microsoft.com/office/drawing/2014/main" id="{A2575552-8AF1-38F1-B34B-D612905F4992}"/>
+                <a16:creationId xmlns:a16="http://schemas.microsoft.com/office/drawing/2014/main" id="{E3F0E553-4066-8F17-3054-9D8348692485}"/>
               </a:ext>
             </a:extLst>
           </p:cNvPr>
-          <p:cNvGrpSpPr/>
-          <p:nvPr/>
-        </p:nvGrpSpPr>
-        <p:grpSpPr>
-          <a:xfrm>
-            <a:off x="185458" y="6758615"/>
-            <a:ext cx="6480671" cy="3147385"/>
-            <a:chOff x="185458" y="5226205"/>
-            <a:chExt cx="6480671" cy="3147385"/>
-          </a:xfrm>
-        </p:grpSpPr>
-        <p:sp>
-          <p:nvSpPr>
-            <p:cNvPr id="13" name="TextBox 12">
-              <a:extLst>
-                <a:ext uri="{FF2B5EF4-FFF2-40B4-BE49-F238E27FC236}">
-                  <a16:creationId xmlns:a16="http://schemas.microsoft.com/office/drawing/2014/main" id="{978DB277-56AD-2C16-8562-A15B83494E08}"/>
-                </a:ext>
-              </a:extLst>
-            </p:cNvPr>
-            <p:cNvSpPr txBox="1"/>
-            <p:nvPr/>
-          </p:nvSpPr>
-          <p:spPr>
-            <a:xfrm>
-              <a:off x="290620" y="5624586"/>
-              <a:ext cx="6269676" cy="2749004"/>
-            </a:xfrm>
-            <a:prstGeom prst="rect">
-              <a:avLst/>
-            </a:prstGeom>
-            <a:noFill/>
-          </p:spPr>
-          <p:txBody>
-            <a:bodyPr wrap="square" lIns="0" tIns="72000" rIns="0" bIns="72000" rtlCol="0" anchor="t">
-              <a:spAutoFit/>
-            </a:bodyPr>
-            <a:lstStyle>
-              <a:defPPr>
-                <a:defRPr lang="en-US"/>
-              </a:defPPr>
-              <a:lvl1pPr>
-                <a:lnSpc>
-                  <a:spcPct val="135000"/>
-                </a:lnSpc>
-                <a:spcAft>
-                  <a:spcPts val="800"/>
-                </a:spcAft>
-                <a:defRPr sz="1000">
-                  <a:ln>
-                    <a:solidFill>
-                      <a:schemeClr val="bg1">
-                        <a:lumMod val="75000"/>
-                        <a:alpha val="0"/>
-                      </a:schemeClr>
-                    </a:solidFill>
-                  </a:ln>
-                  <a:latin typeface="Pretendard Light" panose="02000403000000020004" pitchFamily="2" charset="-127"/>
-                  <a:ea typeface="Pretendard Light" panose="02000403000000020004" pitchFamily="2" charset="-127"/>
-                  <a:cs typeface="Pretendard Light" panose="02000403000000020004" pitchFamily="2" charset="-127"/>
-                </a:defRPr>
-              </a:lvl1pPr>
-            </a:lstStyle>
-            <a:p>
-              <a:pPr>
-                <a:lnSpc>
-                  <a:spcPct val="140000"/>
-                </a:lnSpc>
-                <a:spcAft>
-                  <a:spcPts val="1000"/>
-                </a:spcAft>
-              </a:pPr>
-              <a:r>
-                <a:rPr lang="ko-KR" altLang="en-US" dirty="0"/>
-                <a:t>제가 꿈꾸는 이상적인 기획자는 유저들이 인정하는 기획자입니다</a:t>
-              </a:r>
-              <a:r>
-                <a:rPr lang="en-US" altLang="ko-KR" dirty="0"/>
-                <a:t>. ‘</a:t>
-              </a:r>
-              <a:r>
-                <a:rPr lang="ko-KR" altLang="en-US" dirty="0"/>
-                <a:t>이 사람이 기획한 게임이면 재미있겠네’</a:t>
-              </a:r>
-              <a:r>
-                <a:rPr lang="en-US" altLang="ko-KR" dirty="0"/>
-                <a:t>, ‘</a:t>
-              </a:r>
-              <a:r>
-                <a:rPr lang="ko-KR" altLang="en-US" dirty="0"/>
-                <a:t>이 사람의 이런 점이 내가 선호하는 스타일이야</a:t>
-              </a:r>
-              <a:r>
-                <a:rPr lang="en-US" altLang="ko-KR" dirty="0"/>
-                <a:t>.’</a:t>
-              </a:r>
-              <a:r>
-                <a:rPr lang="ko-KR" altLang="en-US" dirty="0"/>
-                <a:t>처럼 유저들에게 신뢰를 바탕으로 재미를 선사하는 기획자가 되겠습니다</a:t>
-              </a:r>
-              <a:r>
-                <a:rPr lang="en-US" altLang="ko-KR" dirty="0"/>
-                <a:t>. </a:t>
-              </a:r>
-              <a:r>
-                <a:rPr lang="ko-KR" altLang="en-US" dirty="0"/>
-                <a:t>이를 위해 다음과 같은 목표를 가지고 노력하겠습니다</a:t>
-              </a:r>
-              <a:r>
-                <a:rPr lang="en-US" altLang="ko-KR" dirty="0"/>
-                <a:t>. </a:t>
-              </a:r>
-            </a:p>
-            <a:p>
-              <a:pPr>
-                <a:lnSpc>
-                  <a:spcPct val="140000"/>
-                </a:lnSpc>
-                <a:spcAft>
-                  <a:spcPts val="1000"/>
-                </a:spcAft>
-              </a:pPr>
-              <a:r>
-                <a:rPr lang="ko-KR" altLang="en-US" dirty="0">
-                  <a:latin typeface="Pretendard" panose="02000503000000020004" pitchFamily="2" charset="-127"/>
-                  <a:ea typeface="Pretendard" panose="02000503000000020004" pitchFamily="2" charset="-127"/>
-                  <a:cs typeface="Pretendard" panose="02000503000000020004" pitchFamily="2" charset="-127"/>
-                </a:rPr>
-                <a:t>첫째</a:t>
-              </a:r>
-              <a:r>
-                <a:rPr lang="en-US" altLang="ko-KR" dirty="0">
-                  <a:latin typeface="Pretendard" panose="02000503000000020004" pitchFamily="2" charset="-127"/>
-                  <a:ea typeface="Pretendard" panose="02000503000000020004" pitchFamily="2" charset="-127"/>
-                  <a:cs typeface="Pretendard" panose="02000503000000020004" pitchFamily="2" charset="-127"/>
-                </a:rPr>
-                <a:t>, </a:t>
-              </a:r>
-              <a:r>
-                <a:rPr lang="ko-KR" altLang="en-US" dirty="0">
-                  <a:latin typeface="Pretendard" panose="02000503000000020004" pitchFamily="2" charset="-127"/>
-                  <a:ea typeface="Pretendard" panose="02000503000000020004" pitchFamily="2" charset="-127"/>
-                  <a:cs typeface="Pretendard" panose="02000503000000020004" pitchFamily="2" charset="-127"/>
-                </a:rPr>
-                <a:t>이유를 설명할 줄 아는 기획자가 되겠습니다</a:t>
-              </a:r>
-              <a:r>
-                <a:rPr lang="en-US" altLang="ko-KR" dirty="0">
-                  <a:latin typeface="Pretendard" panose="02000503000000020004" pitchFamily="2" charset="-127"/>
-                  <a:ea typeface="Pretendard" panose="02000503000000020004" pitchFamily="2" charset="-127"/>
-                  <a:cs typeface="Pretendard" panose="02000503000000020004" pitchFamily="2" charset="-127"/>
-                </a:rPr>
-                <a:t>. </a:t>
-              </a:r>
-              <a:r>
-                <a:rPr lang="ko-KR" altLang="en-US" dirty="0"/>
-                <a:t>기획서를 작성하고 기획에 대해 공부하면서 저의 생각을 명확하게 전달하려면 기획 의도를 설정하는 것이 중요하다는 점을 알게 되었습니다</a:t>
-              </a:r>
-              <a:r>
-                <a:rPr lang="en-US" altLang="ko-KR" dirty="0"/>
-                <a:t>. </a:t>
-              </a:r>
-              <a:r>
-                <a:rPr lang="ko-KR" altLang="en-US" dirty="0"/>
-                <a:t>아직은 그 역량을 더 </a:t>
-              </a:r>
-              <a:r>
-                <a:rPr lang="ko-KR" altLang="en-US" dirty="0" err="1"/>
-                <a:t>키워나가야</a:t>
-              </a:r>
-              <a:r>
-                <a:rPr lang="ko-KR" altLang="en-US" dirty="0"/>
-                <a:t> 한다고 생각하며</a:t>
-              </a:r>
-              <a:r>
-                <a:rPr lang="en-US" altLang="ko-KR" dirty="0"/>
-                <a:t>, ‘</a:t>
-              </a:r>
-              <a:r>
-                <a:rPr lang="ko-KR" altLang="en-US" dirty="0"/>
-                <a:t>왜 이렇게 기획했을까</a:t>
-              </a:r>
-              <a:r>
-                <a:rPr lang="en-US" altLang="ko-KR" dirty="0"/>
-                <a:t>?’</a:t>
-              </a:r>
-              <a:r>
-                <a:rPr lang="ko-KR" altLang="en-US" dirty="0"/>
-                <a:t>라는 질문을 통해 다른 사람의 기획 의도를 파악해 보는 역량을 기르고 있습니다</a:t>
-              </a:r>
-              <a:r>
-                <a:rPr lang="en-US" altLang="ko-KR" dirty="0"/>
-                <a:t>. </a:t>
-              </a:r>
-              <a:r>
-                <a:rPr lang="ko-KR" altLang="en-US" dirty="0"/>
-                <a:t>이러한 사고가 자연스럽게 이루어질 때 설득력 있는 기획이 이루어지고 프로젝트의 성공에 기여할 수 있다고 생각합니다</a:t>
-              </a:r>
-              <a:r>
-                <a:rPr lang="en-US" altLang="ko-KR" dirty="0"/>
-                <a:t>. </a:t>
-              </a:r>
-            </a:p>
-            <a:p>
-              <a:pPr>
-                <a:lnSpc>
-                  <a:spcPct val="140000"/>
-                </a:lnSpc>
-                <a:spcAft>
-                  <a:spcPts val="1000"/>
-                </a:spcAft>
-              </a:pPr>
-              <a:r>
-                <a:rPr lang="ko-KR" altLang="en-US" dirty="0">
-                  <a:latin typeface="Pretendard" panose="02000503000000020004" pitchFamily="2" charset="-127"/>
-                  <a:ea typeface="Pretendard" panose="02000503000000020004" pitchFamily="2" charset="-127"/>
-                  <a:cs typeface="Pretendard" panose="02000503000000020004" pitchFamily="2" charset="-127"/>
-                </a:rPr>
-                <a:t>둘째</a:t>
-              </a:r>
-              <a:r>
-                <a:rPr lang="en-US" altLang="ko-KR" dirty="0">
-                  <a:latin typeface="Pretendard" panose="02000503000000020004" pitchFamily="2" charset="-127"/>
-                  <a:ea typeface="Pretendard" panose="02000503000000020004" pitchFamily="2" charset="-127"/>
-                  <a:cs typeface="Pretendard" panose="02000503000000020004" pitchFamily="2" charset="-127"/>
-                </a:rPr>
-                <a:t>, </a:t>
-              </a:r>
-              <a:r>
-                <a:rPr lang="ko-KR" altLang="en-US" dirty="0">
-                  <a:latin typeface="Pretendard" panose="02000503000000020004" pitchFamily="2" charset="-127"/>
-                  <a:ea typeface="Pretendard" panose="02000503000000020004" pitchFamily="2" charset="-127"/>
-                  <a:cs typeface="Pretendard" panose="02000503000000020004" pitchFamily="2" charset="-127"/>
-                </a:rPr>
-                <a:t>가장 먼저 동료들에게 신뢰를 주는 기획자가 되겠습니다</a:t>
-              </a:r>
-              <a:r>
-                <a:rPr lang="en-US" altLang="ko-KR" dirty="0">
-                  <a:latin typeface="Pretendard" panose="02000503000000020004" pitchFamily="2" charset="-127"/>
-                  <a:ea typeface="Pretendard" panose="02000503000000020004" pitchFamily="2" charset="-127"/>
-                  <a:cs typeface="Pretendard" panose="02000503000000020004" pitchFamily="2" charset="-127"/>
-                </a:rPr>
-                <a:t>. </a:t>
-              </a:r>
-              <a:r>
-                <a:rPr lang="ko-KR" altLang="en-US" dirty="0"/>
-                <a:t>신뢰받는 기획자는 게임 개발의 중심에서 개발의 방향을 잡아주어 동료들의 업무 효율을 높일 수 있습니다</a:t>
-              </a:r>
-              <a:r>
-                <a:rPr lang="en-US" altLang="ko-KR" dirty="0"/>
-                <a:t>. </a:t>
-              </a:r>
-              <a:r>
-                <a:rPr lang="ko-KR" altLang="en-US" dirty="0"/>
-                <a:t>또한 기획에 대한 신뢰도도 올라갈 것입니다</a:t>
-              </a:r>
-              <a:r>
-                <a:rPr lang="en-US" altLang="ko-KR" dirty="0"/>
-                <a:t>. </a:t>
-              </a:r>
-              <a:r>
-                <a:rPr lang="ko-KR" altLang="en-US" dirty="0"/>
-                <a:t>저는 개발의 중심에서 동료분들과 함께 기획한 내용이 현실화되고 더 나은 결과물로 이어질 때 높은 성취감과 소속감을 얻습니다</a:t>
-              </a:r>
-              <a:r>
-                <a:rPr lang="en-US" altLang="ko-KR" dirty="0"/>
-                <a:t>. </a:t>
-              </a:r>
-              <a:r>
-                <a:rPr lang="ko-KR" altLang="en-US" dirty="0"/>
-                <a:t>그래서 먼저 동료들에게 신뢰를 주는 기획자가 되어 프로젝트를 성공적으로 이끌고 유저들에게도 신뢰를 줄 수 있는 기획자가 되도록 노력하겠습니다</a:t>
-              </a:r>
-              <a:r>
-                <a:rPr lang="en-US" altLang="ko-KR" dirty="0"/>
-                <a:t>.</a:t>
-              </a:r>
-            </a:p>
-          </p:txBody>
-        </p:sp>
-        <p:sp>
-          <p:nvSpPr>
-            <p:cNvPr id="14" name="직사각형 13">
-              <a:extLst>
-                <a:ext uri="{FF2B5EF4-FFF2-40B4-BE49-F238E27FC236}">
-                  <a16:creationId xmlns:a16="http://schemas.microsoft.com/office/drawing/2014/main" id="{EB6866A8-3A45-BC9F-5774-0614651C8EB8}"/>
-                </a:ext>
-              </a:extLst>
-            </p:cNvPr>
-            <p:cNvSpPr/>
-            <p:nvPr/>
-          </p:nvSpPr>
-          <p:spPr>
-            <a:xfrm>
-              <a:off x="185458" y="5226205"/>
-              <a:ext cx="6480671" cy="398381"/>
-            </a:xfrm>
-            <a:prstGeom prst="rect">
-              <a:avLst/>
-            </a:prstGeom>
-            <a:solidFill>
-              <a:srgbClr val="E1F2FF"/>
-            </a:solidFill>
-            <a:ln>
-              <a:noFill/>
-            </a:ln>
-            <a:effectLst/>
-          </p:spPr>
-          <p:style>
-            <a:lnRef idx="2">
-              <a:schemeClr val="accent1">
-                <a:shade val="15000"/>
-              </a:schemeClr>
-            </a:lnRef>
-            <a:fillRef idx="1">
-              <a:schemeClr val="accent1"/>
-            </a:fillRef>
-            <a:effectRef idx="0">
-              <a:schemeClr val="accent1"/>
-            </a:effectRef>
-            <a:fontRef idx="minor">
-              <a:schemeClr val="lt1"/>
-            </a:fontRef>
-          </p:style>
-          <p:txBody>
-            <a:bodyPr rtlCol="0" anchor="ctr"/>
-            <a:lstStyle/>
-            <a:p>
-              <a:pPr algn="ctr"/>
-              <a:endParaRPr lang="ko-KR" altLang="en-US" sz="900"/>
-            </a:p>
-          </p:txBody>
-        </p:sp>
-        <p:sp>
-          <p:nvSpPr>
-            <p:cNvPr id="15" name="TextBox 14">
-              <a:extLst>
-                <a:ext uri="{FF2B5EF4-FFF2-40B4-BE49-F238E27FC236}">
-                  <a16:creationId xmlns:a16="http://schemas.microsoft.com/office/drawing/2014/main" id="{DAE2C25C-68AE-DA19-801B-340AE7195C89}"/>
-                </a:ext>
-              </a:extLst>
-            </p:cNvPr>
-            <p:cNvSpPr txBox="1"/>
-            <p:nvPr/>
-          </p:nvSpPr>
-          <p:spPr>
-            <a:xfrm>
-              <a:off x="290620" y="5340757"/>
-              <a:ext cx="678071" cy="169277"/>
-            </a:xfrm>
-            <a:prstGeom prst="rect">
-              <a:avLst/>
-            </a:prstGeom>
-            <a:noFill/>
-          </p:spPr>
-          <p:txBody>
-            <a:bodyPr wrap="none" lIns="0" tIns="0" rIns="0" bIns="0" rtlCol="0" anchor="t">
-              <a:spAutoFit/>
-            </a:bodyPr>
-            <a:lstStyle/>
-            <a:p>
-              <a:r>
-                <a:rPr lang="ko-KR" altLang="en-US" sz="1100" dirty="0">
-                  <a:latin typeface="페이퍼로지 7 Bold" pitchFamily="2" charset="-127"/>
-                  <a:ea typeface="페이퍼로지 7 Bold" pitchFamily="2" charset="-127"/>
-                  <a:cs typeface="Pretendard Medium" panose="02000603000000020004" pitchFamily="2" charset="-127"/>
-                </a:rPr>
-                <a:t>입사 후 포부</a:t>
-              </a:r>
-            </a:p>
-          </p:txBody>
-        </p:sp>
-        <p:cxnSp>
-          <p:nvCxnSpPr>
-            <p:cNvPr id="18" name="직선 연결선 17">
-              <a:extLst>
-                <a:ext uri="{FF2B5EF4-FFF2-40B4-BE49-F238E27FC236}">
-                  <a16:creationId xmlns:a16="http://schemas.microsoft.com/office/drawing/2014/main" id="{9FA312AA-3D10-024B-EB66-6459E95EAE11}"/>
-                </a:ext>
-              </a:extLst>
-            </p:cNvPr>
-            <p:cNvCxnSpPr>
-              <a:cxnSpLocks/>
-            </p:cNvCxnSpPr>
-            <p:nvPr/>
-          </p:nvCxnSpPr>
-          <p:spPr>
-            <a:xfrm>
-              <a:off x="185459" y="5624586"/>
-              <a:ext cx="6480000" cy="0"/>
-            </a:xfrm>
-            <a:prstGeom prst="line">
-              <a:avLst/>
-            </a:prstGeom>
-            <a:ln w="9525">
-              <a:solidFill>
-                <a:schemeClr val="bg1">
-                  <a:lumMod val="75000"/>
-                </a:schemeClr>
-              </a:solidFill>
-            </a:ln>
-          </p:spPr>
-          <p:style>
-            <a:lnRef idx="2">
-              <a:schemeClr val="accent1"/>
-            </a:lnRef>
-            <a:fillRef idx="0">
-              <a:schemeClr val="accent1"/>
-            </a:fillRef>
-            <a:effectRef idx="1">
-              <a:schemeClr val="accent1"/>
-            </a:effectRef>
-            <a:fontRef idx="minor">
-              <a:schemeClr val="tx1"/>
-            </a:fontRef>
-          </p:style>
-        </p:cxnSp>
-        <p:sp>
-          <p:nvSpPr>
-            <p:cNvPr id="19" name="직사각형 18">
-              <a:extLst>
-                <a:ext uri="{FF2B5EF4-FFF2-40B4-BE49-F238E27FC236}">
-                  <a16:creationId xmlns:a16="http://schemas.microsoft.com/office/drawing/2014/main" id="{4E811AE4-B6D3-899E-F67B-E41AB8DC7CD4}"/>
-                </a:ext>
-              </a:extLst>
-            </p:cNvPr>
-            <p:cNvSpPr/>
-            <p:nvPr/>
-          </p:nvSpPr>
-          <p:spPr>
-            <a:xfrm>
-              <a:off x="185458" y="5226205"/>
-              <a:ext cx="6480000" cy="3147383"/>
-            </a:xfrm>
-            <a:prstGeom prst="rect">
-              <a:avLst/>
-            </a:prstGeom>
-            <a:noFill/>
-            <a:ln w="12700">
-              <a:solidFill>
-                <a:schemeClr val="bg1">
-                  <a:lumMod val="75000"/>
-                </a:schemeClr>
-              </a:solidFill>
-            </a:ln>
-            <a:effectLst/>
-          </p:spPr>
-          <p:style>
-            <a:lnRef idx="2">
-              <a:schemeClr val="accent1">
-                <a:shade val="15000"/>
-              </a:schemeClr>
-            </a:lnRef>
-            <a:fillRef idx="1">
-              <a:schemeClr val="accent1"/>
-            </a:fillRef>
-            <a:effectRef idx="0">
-              <a:schemeClr val="accent1"/>
-            </a:effectRef>
-            <a:fontRef idx="minor">
-              <a:schemeClr val="lt1"/>
-            </a:fontRef>
-          </p:style>
-          <p:txBody>
-            <a:bodyPr rtlCol="0" anchor="ctr"/>
-            <a:lstStyle/>
-            <a:p>
-              <a:pPr algn="ctr"/>
-              <a:endParaRPr lang="ko-KR" altLang="en-US" sz="800" dirty="0"/>
-            </a:p>
-          </p:txBody>
-        </p:sp>
-      </p:grpSp>
+          <p:cNvSpPr>
+            <a:spLocks noGrp="1"/>
+          </p:cNvSpPr>
+          <p:nvPr>
+            <p:ph type="sldNum" sz="quarter" idx="12"/>
+          </p:nvPr>
+        </p:nvSpPr>
+        <p:spPr/>
+        <p:txBody>
+          <a:bodyPr/>
+          <a:lstStyle/>
+          <a:p>
+            <a:r>
+              <a:rPr lang="en-US" altLang="ko-KR"/>
+              <a:t>p.</a:t>
+            </a:r>
+            <a:fld id="{070F40F9-ACE8-4B8E-BEF3-4D4725501AF7}" type="slidenum">
+              <a:rPr lang="ko-KR" altLang="en-US" smtClean="0"/>
+              <a:pPr/>
+              <a:t>5</a:t>
+            </a:fld>
+            <a:r>
+              <a:rPr lang="en-US" altLang="ko-KR"/>
+              <a:t>/5</a:t>
+            </a:r>
+            <a:endParaRPr lang="ko-KR" altLang="en-US" dirty="0"/>
+          </a:p>
+        </p:txBody>
+      </p:sp>
     </p:spTree>
     <p:extLst>
       <p:ext uri="{BB962C8B-B14F-4D97-AF65-F5344CB8AC3E}">
